--- a/reference_content/Slides/Intro.pptx
+++ b/reference_content/Slides/Intro.pptx
@@ -6,13 +6,34 @@
   </p:sldMasterIdLst>
   <p:sldIdLst>
     <p:sldId id="256" r:id="rId2"/>
-    <p:sldId id="263" r:id="rId3"/>
-    <p:sldId id="257" r:id="rId4"/>
-    <p:sldId id="262" r:id="rId5"/>
-    <p:sldId id="258" r:id="rId6"/>
-    <p:sldId id="260" r:id="rId7"/>
-    <p:sldId id="259" r:id="rId8"/>
-    <p:sldId id="264" r:id="rId9"/>
+    <p:sldId id="284" r:id="rId3"/>
+    <p:sldId id="263" r:id="rId4"/>
+    <p:sldId id="257" r:id="rId5"/>
+    <p:sldId id="262" r:id="rId6"/>
+    <p:sldId id="258" r:id="rId7"/>
+    <p:sldId id="260" r:id="rId8"/>
+    <p:sldId id="259" r:id="rId9"/>
+    <p:sldId id="265" r:id="rId10"/>
+    <p:sldId id="266" r:id="rId11"/>
+    <p:sldId id="264" r:id="rId12"/>
+    <p:sldId id="267" r:id="rId13"/>
+    <p:sldId id="268" r:id="rId14"/>
+    <p:sldId id="269" r:id="rId15"/>
+    <p:sldId id="270" r:id="rId16"/>
+    <p:sldId id="271" r:id="rId17"/>
+    <p:sldId id="272" r:id="rId18"/>
+    <p:sldId id="261" r:id="rId19"/>
+    <p:sldId id="283" r:id="rId20"/>
+    <p:sldId id="273" r:id="rId21"/>
+    <p:sldId id="274" r:id="rId22"/>
+    <p:sldId id="275" r:id="rId23"/>
+    <p:sldId id="285" r:id="rId24"/>
+    <p:sldId id="276" r:id="rId25"/>
+    <p:sldId id="277" r:id="rId26"/>
+    <p:sldId id="279" r:id="rId27"/>
+    <p:sldId id="280" r:id="rId28"/>
+    <p:sldId id="281" r:id="rId29"/>
+    <p:sldId id="282" r:id="rId30"/>
   </p:sldIdLst>
   <p:sldSz cx="12192000" cy="6858000"/>
   <p:notesSz cx="6858000" cy="9144000"/>
@@ -111,6 +132,11 @@
       </a:defRPr>
     </a:lvl9pPr>
   </p:defaultTextStyle>
+  <p:extLst>
+    <p:ext uri="{EFAFB233-063F-42B5-8137-9DF3F51BA10A}">
+      <p15:sldGuideLst xmlns:p15="http://schemas.microsoft.com/office/powerpoint/2012/main"/>
+    </p:ext>
+  </p:extLst>
 </p:presentation>
 </file>
 
@@ -253,7 +279,7 @@
           <a:p>
             <a:fld id="{4D75CD7C-AA3A-0A45-90FB-CC2FC07FE20F}" type="datetimeFigureOut">
               <a:rPr lang="en-US" smtClean="0"/>
-              <a:t>1/5/22</a:t>
+              <a:t>1/9/25</a:t>
             </a:fld>
             <a:endParaRPr lang="en-US"/>
           </a:p>
@@ -464,7 +490,7 @@
           <a:p>
             <a:fld id="{4D75CD7C-AA3A-0A45-90FB-CC2FC07FE20F}" type="datetimeFigureOut">
               <a:rPr lang="en-US" smtClean="0"/>
-              <a:t>1/5/22</a:t>
+              <a:t>1/9/25</a:t>
             </a:fld>
             <a:endParaRPr lang="en-US"/>
           </a:p>
@@ -679,7 +705,7 @@
           <a:p>
             <a:fld id="{4D75CD7C-AA3A-0A45-90FB-CC2FC07FE20F}" type="datetimeFigureOut">
               <a:rPr lang="en-US" smtClean="0"/>
-              <a:t>1/5/22</a:t>
+              <a:t>1/9/25</a:t>
             </a:fld>
             <a:endParaRPr lang="en-US"/>
           </a:p>
@@ -880,7 +906,7 @@
           <a:p>
             <a:fld id="{4D75CD7C-AA3A-0A45-90FB-CC2FC07FE20F}" type="datetimeFigureOut">
               <a:rPr lang="en-US" smtClean="0"/>
-              <a:t>1/5/22</a:t>
+              <a:t>1/9/25</a:t>
             </a:fld>
             <a:endParaRPr lang="en-US"/>
           </a:p>
@@ -1159,7 +1185,7 @@
           <a:p>
             <a:fld id="{4D75CD7C-AA3A-0A45-90FB-CC2FC07FE20F}" type="datetimeFigureOut">
               <a:rPr lang="en-US" smtClean="0"/>
-              <a:t>1/5/22</a:t>
+              <a:t>1/9/25</a:t>
             </a:fld>
             <a:endParaRPr lang="en-US"/>
           </a:p>
@@ -1427,7 +1453,7 @@
           <a:p>
             <a:fld id="{4D75CD7C-AA3A-0A45-90FB-CC2FC07FE20F}" type="datetimeFigureOut">
               <a:rPr lang="en-US" smtClean="0"/>
-              <a:t>1/5/22</a:t>
+              <a:t>1/9/25</a:t>
             </a:fld>
             <a:endParaRPr lang="en-US"/>
           </a:p>
@@ -1843,7 +1869,7 @@
           <a:p>
             <a:fld id="{4D75CD7C-AA3A-0A45-90FB-CC2FC07FE20F}" type="datetimeFigureOut">
               <a:rPr lang="en-US" smtClean="0"/>
-              <a:t>1/5/22</a:t>
+              <a:t>1/9/25</a:t>
             </a:fld>
             <a:endParaRPr lang="en-US"/>
           </a:p>
@@ -1992,7 +2018,7 @@
           <a:p>
             <a:fld id="{4D75CD7C-AA3A-0A45-90FB-CC2FC07FE20F}" type="datetimeFigureOut">
               <a:rPr lang="en-US" smtClean="0"/>
-              <a:t>1/5/22</a:t>
+              <a:t>1/9/25</a:t>
             </a:fld>
             <a:endParaRPr lang="en-US"/>
           </a:p>
@@ -2118,7 +2144,7 @@
           <a:p>
             <a:fld id="{4D75CD7C-AA3A-0A45-90FB-CC2FC07FE20F}" type="datetimeFigureOut">
               <a:rPr lang="en-US" smtClean="0"/>
-              <a:t>1/5/22</a:t>
+              <a:t>1/9/25</a:t>
             </a:fld>
             <a:endParaRPr lang="en-US"/>
           </a:p>
@@ -2369,7 +2395,7 @@
           <a:p>
             <a:fld id="{4D75CD7C-AA3A-0A45-90FB-CC2FC07FE20F}" type="datetimeFigureOut">
               <a:rPr lang="en-US" smtClean="0"/>
-              <a:t>1/5/22</a:t>
+              <a:t>1/9/25</a:t>
             </a:fld>
             <a:endParaRPr lang="en-US"/>
           </a:p>
@@ -2814,7 +2840,7 @@
           <a:p>
             <a:fld id="{4D75CD7C-AA3A-0A45-90FB-CC2FC07FE20F}" type="datetimeFigureOut">
               <a:rPr lang="en-US" smtClean="0"/>
-              <a:t>1/5/22</a:t>
+              <a:t>1/9/25</a:t>
             </a:fld>
             <a:endParaRPr lang="en-US"/>
           </a:p>
@@ -3141,7 +3167,7 @@
           <a:p>
             <a:fld id="{4D75CD7C-AA3A-0A45-90FB-CC2FC07FE20F}" type="datetimeFigureOut">
               <a:rPr lang="en-US" smtClean="0"/>
-              <a:t>1/5/22</a:t>
+              <a:t>1/9/25</a:t>
             </a:fld>
             <a:endParaRPr lang="en-US"/>
           </a:p>
@@ -3680,10 +3706,1317 @@
           </a:p>
         </p:txBody>
       </p:sp>
+      <p:sp>
+        <p:nvSpPr>
+          <p:cNvPr id="4" name="TextBox 3">
+            <a:extLst>
+              <a:ext uri="{FF2B5EF4-FFF2-40B4-BE49-F238E27FC236}">
+                <a16:creationId xmlns:a16="http://schemas.microsoft.com/office/drawing/2014/main" id="{2A4C4F05-2C5E-B155-2C62-9719A9E8C76E}"/>
+              </a:ext>
+            </a:extLst>
+          </p:cNvPr>
+          <p:cNvSpPr txBox="1"/>
+          <p:nvPr/>
+        </p:nvSpPr>
+        <p:spPr>
+          <a:xfrm>
+            <a:off x="7915835" y="636494"/>
+            <a:ext cx="3783106" cy="646331"/>
+          </a:xfrm>
+          <a:prstGeom prst="rect">
+            <a:avLst/>
+          </a:prstGeom>
+          <a:noFill/>
+        </p:spPr>
+        <p:txBody>
+          <a:bodyPr wrap="square" rtlCol="0">
+            <a:spAutoFit/>
+          </a:bodyPr>
+          <a:lstStyle/>
+          <a:p>
+            <a:r>
+              <a:rPr lang="en-US" dirty="0"/>
+              <a:t>Note: We’ll start classes at :05 to give people a sec to login and </a:t>
+            </a:r>
+            <a:r>
+              <a:rPr lang="en-US"/>
+              <a:t>get setup. </a:t>
+            </a:r>
+          </a:p>
+        </p:txBody>
+      </p:sp>
     </p:spTree>
     <p:extLst>
       <p:ext uri="{BB962C8B-B14F-4D97-AF65-F5344CB8AC3E}">
         <p14:creationId xmlns:p14="http://schemas.microsoft.com/office/powerpoint/2010/main" val="3190901877"/>
+      </p:ext>
+    </p:extLst>
+  </p:cSld>
+  <p:clrMapOvr>
+    <a:masterClrMapping/>
+  </p:clrMapOvr>
+</p:sld>
+</file>
+
+<file path=ppt/slides/slide10.xml><?xml version="1.0" encoding="utf-8"?>
+<p:sld xmlns:a="http://schemas.openxmlformats.org/drawingml/2006/main" xmlns:r="http://schemas.openxmlformats.org/officeDocument/2006/relationships" xmlns:p="http://schemas.openxmlformats.org/presentationml/2006/main">
+  <p:cSld>
+    <p:spTree>
+      <p:nvGrpSpPr>
+        <p:cNvPr id="1" name=""/>
+        <p:cNvGrpSpPr/>
+        <p:nvPr/>
+      </p:nvGrpSpPr>
+      <p:grpSpPr>
+        <a:xfrm>
+          <a:off x="0" y="0"/>
+          <a:ext cx="0" cy="0"/>
+          <a:chOff x="0" y="0"/>
+          <a:chExt cx="0" cy="0"/>
+        </a:xfrm>
+      </p:grpSpPr>
+      <p:sp>
+        <p:nvSpPr>
+          <p:cNvPr id="2" name="Title 1">
+            <a:extLst>
+              <a:ext uri="{FF2B5EF4-FFF2-40B4-BE49-F238E27FC236}">
+                <a16:creationId xmlns:a16="http://schemas.microsoft.com/office/drawing/2014/main" id="{E2C36EA8-F4BC-C96F-A3EC-AFD40DFB8C63}"/>
+              </a:ext>
+            </a:extLst>
+          </p:cNvPr>
+          <p:cNvSpPr>
+            <a:spLocks noGrp="1"/>
+          </p:cNvSpPr>
+          <p:nvPr>
+            <p:ph type="title"/>
+          </p:nvPr>
+        </p:nvSpPr>
+        <p:spPr/>
+        <p:txBody>
+          <a:bodyPr/>
+          <a:lstStyle/>
+          <a:p>
+            <a:r>
+              <a:rPr lang="en-US" dirty="0"/>
+              <a:t>Resources</a:t>
+            </a:r>
+          </a:p>
+        </p:txBody>
+      </p:sp>
+      <p:sp>
+        <p:nvSpPr>
+          <p:cNvPr id="3" name="Content Placeholder 2">
+            <a:extLst>
+              <a:ext uri="{FF2B5EF4-FFF2-40B4-BE49-F238E27FC236}">
+                <a16:creationId xmlns:a16="http://schemas.microsoft.com/office/drawing/2014/main" id="{B0D55F6E-A4EE-1D80-50E6-A7000725C348}"/>
+              </a:ext>
+            </a:extLst>
+          </p:cNvPr>
+          <p:cNvSpPr>
+            <a:spLocks noGrp="1"/>
+          </p:cNvSpPr>
+          <p:nvPr>
+            <p:ph idx="1"/>
+          </p:nvPr>
+        </p:nvSpPr>
+        <p:spPr>
+          <a:xfrm>
+            <a:off x="1451579" y="1853754"/>
+            <a:ext cx="9603275" cy="4199727"/>
+          </a:xfrm>
+        </p:spPr>
+        <p:txBody>
+          <a:bodyPr/>
+          <a:lstStyle/>
+          <a:p>
+            <a:r>
+              <a:rPr lang="en-US" dirty="0"/>
+              <a:t>(Almost) Everything is free!</a:t>
+            </a:r>
+          </a:p>
+          <a:p>
+            <a:r>
+              <a:rPr lang="en-US" dirty="0"/>
+              <a:t>Three textbooks are on Brightspace:</a:t>
+            </a:r>
+          </a:p>
+          <a:p>
+            <a:pPr lvl="1"/>
+            <a:r>
+              <a:rPr lang="en-US" dirty="0"/>
+              <a:t>Introduction to Machine Learning – full textbook on pre-NN machine learning. </a:t>
+            </a:r>
+          </a:p>
+          <a:p>
+            <a:pPr lvl="1"/>
+            <a:r>
+              <a:rPr lang="en-US" dirty="0"/>
+              <a:t>Python Data Science Handbook – short summary on pre-NN machine learning. </a:t>
+            </a:r>
+          </a:p>
+          <a:p>
+            <a:pPr lvl="1"/>
+            <a:r>
+              <a:rPr lang="en-US" dirty="0"/>
+              <a:t>Deep Learning with Python – full textbook on neural networks (we’ll only cover part). </a:t>
+            </a:r>
+          </a:p>
+          <a:p>
+            <a:r>
+              <a:rPr lang="en-US" dirty="0"/>
+              <a:t>Tools:</a:t>
+            </a:r>
+          </a:p>
+          <a:p>
+            <a:pPr lvl="1"/>
+            <a:r>
+              <a:rPr lang="en-US" dirty="0"/>
+              <a:t>GitHub, Anaconda, VS Code – the same infrastructure as last semester. </a:t>
+            </a:r>
+          </a:p>
+          <a:p>
+            <a:pPr lvl="1"/>
+            <a:r>
+              <a:rPr lang="en-US" dirty="0" err="1"/>
+              <a:t>Colab</a:t>
+            </a:r>
+            <a:r>
+              <a:rPr lang="en-US" dirty="0"/>
+              <a:t> (or other GPU) for the final ~month. </a:t>
+            </a:r>
+            <a:r>
+              <a:rPr lang="en-US" dirty="0" err="1"/>
+              <a:t>Colab</a:t>
+            </a:r>
+            <a:r>
+              <a:rPr lang="en-US" dirty="0"/>
+              <a:t> will cost about $14 for a month. </a:t>
+            </a:r>
+          </a:p>
+        </p:txBody>
+      </p:sp>
+    </p:spTree>
+    <p:extLst>
+      <p:ext uri="{BB962C8B-B14F-4D97-AF65-F5344CB8AC3E}">
+        <p14:creationId xmlns:p14="http://schemas.microsoft.com/office/powerpoint/2010/main" val="383177269"/>
+      </p:ext>
+    </p:extLst>
+  </p:cSld>
+  <p:clrMapOvr>
+    <a:masterClrMapping/>
+  </p:clrMapOvr>
+</p:sld>
+</file>
+
+<file path=ppt/slides/slide11.xml><?xml version="1.0" encoding="utf-8"?>
+<p:sld xmlns:a="http://schemas.openxmlformats.org/drawingml/2006/main" xmlns:r="http://schemas.openxmlformats.org/officeDocument/2006/relationships" xmlns:p="http://schemas.openxmlformats.org/presentationml/2006/main">
+  <p:cSld>
+    <p:spTree>
+      <p:nvGrpSpPr>
+        <p:cNvPr id="1" name=""/>
+        <p:cNvGrpSpPr/>
+        <p:nvPr/>
+      </p:nvGrpSpPr>
+      <p:grpSpPr>
+        <a:xfrm>
+          <a:off x="0" y="0"/>
+          <a:ext cx="0" cy="0"/>
+          <a:chOff x="0" y="0"/>
+          <a:chExt cx="0" cy="0"/>
+        </a:xfrm>
+      </p:grpSpPr>
+      <p:sp>
+        <p:nvSpPr>
+          <p:cNvPr id="2" name="Title 1">
+            <a:extLst>
+              <a:ext uri="{FF2B5EF4-FFF2-40B4-BE49-F238E27FC236}">
+                <a16:creationId xmlns:a16="http://schemas.microsoft.com/office/drawing/2014/main" id="{4B66AFDD-E112-EC46-9CD9-5AE785C8BA0A}"/>
+              </a:ext>
+            </a:extLst>
+          </p:cNvPr>
+          <p:cNvSpPr>
+            <a:spLocks noGrp="1"/>
+          </p:cNvSpPr>
+          <p:nvPr>
+            <p:ph type="title"/>
+          </p:nvPr>
+        </p:nvSpPr>
+        <p:spPr/>
+        <p:txBody>
+          <a:bodyPr/>
+          <a:lstStyle/>
+          <a:p>
+            <a:r>
+              <a:rPr lang="en-US" dirty="0"/>
+              <a:t>Tips and Rules</a:t>
+            </a:r>
+          </a:p>
+        </p:txBody>
+      </p:sp>
+      <p:sp>
+        <p:nvSpPr>
+          <p:cNvPr id="3" name="Content Placeholder 2">
+            <a:extLst>
+              <a:ext uri="{FF2B5EF4-FFF2-40B4-BE49-F238E27FC236}">
+                <a16:creationId xmlns:a16="http://schemas.microsoft.com/office/drawing/2014/main" id="{3507EC98-5C06-4346-A016-161FD165C8D5}"/>
+              </a:ext>
+            </a:extLst>
+          </p:cNvPr>
+          <p:cNvSpPr>
+            <a:spLocks noGrp="1"/>
+          </p:cNvSpPr>
+          <p:nvPr>
+            <p:ph idx="1"/>
+          </p:nvPr>
+        </p:nvSpPr>
+        <p:spPr>
+          <a:xfrm>
+            <a:off x="1451579" y="1853754"/>
+            <a:ext cx="9603275" cy="4199727"/>
+          </a:xfrm>
+        </p:spPr>
+        <p:txBody>
+          <a:bodyPr/>
+          <a:lstStyle/>
+          <a:p>
+            <a:r>
+              <a:rPr lang="en-US" dirty="0"/>
+              <a:t>Very “learn-by-doing” topic – trying things is far more important than listening/reading.</a:t>
+            </a:r>
+          </a:p>
+          <a:p>
+            <a:r>
+              <a:rPr lang="en-US" dirty="0"/>
+              <a:t>Due dates – extensions generally aren’t fair, if something’s unfair, I’ll change for everyone. </a:t>
+            </a:r>
+          </a:p>
+          <a:p>
+            <a:pPr lvl="1"/>
+            <a:r>
+              <a:rPr lang="en-US" dirty="0"/>
+              <a:t>I think the pacing is pretty reasonable, but we’ll see. </a:t>
+            </a:r>
+          </a:p>
+          <a:p>
+            <a:r>
+              <a:rPr lang="en-US" dirty="0"/>
+              <a:t>Bring relevant examples, if they occur:</a:t>
+            </a:r>
+          </a:p>
+          <a:p>
+            <a:pPr lvl="1"/>
+            <a:r>
+              <a:rPr lang="en-US" dirty="0"/>
+              <a:t>E.g. if the project class requires you do some specific thing, let me know so I can make examples that are relevant to that. We’ll do geographic stuff because of this later. </a:t>
+            </a:r>
+          </a:p>
+          <a:p>
+            <a:r>
+              <a:rPr lang="en-US" dirty="0"/>
+              <a:t>Experiment – try to change things and see what happens!</a:t>
+            </a:r>
+          </a:p>
+          <a:p>
+            <a:r>
+              <a:rPr lang="en-US" dirty="0"/>
+              <a:t>Read, don’t memorize. </a:t>
+            </a:r>
+          </a:p>
+          <a:p>
+            <a:pPr lvl="1"/>
+            <a:r>
+              <a:rPr lang="en-US" dirty="0"/>
+              <a:t>If you get used to reading documentation, and applying that, you’ll be able to code anything. </a:t>
+            </a:r>
+          </a:p>
+        </p:txBody>
+      </p:sp>
+    </p:spTree>
+    <p:extLst>
+      <p:ext uri="{BB962C8B-B14F-4D97-AF65-F5344CB8AC3E}">
+        <p14:creationId xmlns:p14="http://schemas.microsoft.com/office/powerpoint/2010/main" val="3319469936"/>
+      </p:ext>
+    </p:extLst>
+  </p:cSld>
+  <p:clrMapOvr>
+    <a:masterClrMapping/>
+  </p:clrMapOvr>
+</p:sld>
+</file>
+
+<file path=ppt/slides/slide12.xml><?xml version="1.0" encoding="utf-8"?>
+<p:sld xmlns:a="http://schemas.openxmlformats.org/drawingml/2006/main" xmlns:r="http://schemas.openxmlformats.org/officeDocument/2006/relationships" xmlns:p="http://schemas.openxmlformats.org/presentationml/2006/main">
+  <p:cSld>
+    <p:spTree>
+      <p:nvGrpSpPr>
+        <p:cNvPr id="1" name=""/>
+        <p:cNvGrpSpPr/>
+        <p:nvPr/>
+      </p:nvGrpSpPr>
+      <p:grpSpPr>
+        <a:xfrm>
+          <a:off x="0" y="0"/>
+          <a:ext cx="0" cy="0"/>
+          <a:chOff x="0" y="0"/>
+          <a:chExt cx="0" cy="0"/>
+        </a:xfrm>
+      </p:grpSpPr>
+      <p:sp>
+        <p:nvSpPr>
+          <p:cNvPr id="2" name="Title 1">
+            <a:extLst>
+              <a:ext uri="{FF2B5EF4-FFF2-40B4-BE49-F238E27FC236}">
+                <a16:creationId xmlns:a16="http://schemas.microsoft.com/office/drawing/2014/main" id="{37D2E001-42A3-048F-0A0E-AFCA5EDCFBD6}"/>
+              </a:ext>
+            </a:extLst>
+          </p:cNvPr>
+          <p:cNvSpPr>
+            <a:spLocks noGrp="1"/>
+          </p:cNvSpPr>
+          <p:nvPr>
+            <p:ph type="title"/>
+          </p:nvPr>
+        </p:nvSpPr>
+        <p:spPr/>
+        <p:txBody>
+          <a:bodyPr/>
+          <a:lstStyle/>
+          <a:p>
+            <a:r>
+              <a:rPr lang="en-US" dirty="0"/>
+              <a:t>Questions</a:t>
+            </a:r>
+          </a:p>
+        </p:txBody>
+      </p:sp>
+      <p:sp>
+        <p:nvSpPr>
+          <p:cNvPr id="3" name="Content Placeholder 2">
+            <a:extLst>
+              <a:ext uri="{FF2B5EF4-FFF2-40B4-BE49-F238E27FC236}">
+                <a16:creationId xmlns:a16="http://schemas.microsoft.com/office/drawing/2014/main" id="{590D0E2A-02A5-04D8-4322-6FE4BF4E7BEB}"/>
+              </a:ext>
+            </a:extLst>
+          </p:cNvPr>
+          <p:cNvSpPr>
+            <a:spLocks noGrp="1"/>
+          </p:cNvSpPr>
+          <p:nvPr>
+            <p:ph idx="1"/>
+          </p:nvPr>
+        </p:nvSpPr>
+        <p:spPr/>
+        <p:txBody>
+          <a:bodyPr/>
+          <a:lstStyle/>
+          <a:p>
+            <a:endParaRPr lang="en-US"/>
+          </a:p>
+        </p:txBody>
+      </p:sp>
+      <p:pic>
+        <p:nvPicPr>
+          <p:cNvPr id="1026" name="Picture 2" descr="Meme Maker - END OF PRESENTATION ANY QUESTIONS? THANK YOU VERY MUCH FOR  LISTENING . I REALLY Meme Generator!">
+            <a:extLst>
+              <a:ext uri="{FF2B5EF4-FFF2-40B4-BE49-F238E27FC236}">
+                <a16:creationId xmlns:a16="http://schemas.microsoft.com/office/drawing/2014/main" id="{B8BE54FB-7046-91F4-80C7-6CB16DA45E13}"/>
+              </a:ext>
+            </a:extLst>
+          </p:cNvPr>
+          <p:cNvPicPr>
+            <a:picLocks noChangeAspect="1" noChangeArrowheads="1"/>
+          </p:cNvPicPr>
+          <p:nvPr/>
+        </p:nvPicPr>
+        <p:blipFill>
+          <a:blip r:embed="rId2">
+            <a:extLst>
+              <a:ext uri="{28A0092B-C50C-407E-A947-70E740481C1C}">
+                <a14:useLocalDpi xmlns:a14="http://schemas.microsoft.com/office/drawing/2010/main" val="0"/>
+              </a:ext>
+            </a:extLst>
+          </a:blip>
+          <a:srcRect/>
+          <a:stretch>
+            <a:fillRect/>
+          </a:stretch>
+        </p:blipFill>
+        <p:spPr bwMode="auto">
+          <a:xfrm>
+            <a:off x="3714750" y="1853754"/>
+            <a:ext cx="4762500" cy="4737100"/>
+          </a:xfrm>
+          <a:prstGeom prst="rect">
+            <a:avLst/>
+          </a:prstGeom>
+          <a:noFill/>
+          <a:extLst>
+            <a:ext uri="{909E8E84-426E-40DD-AFC4-6F175D3DCCD1}">
+              <a14:hiddenFill xmlns:a14="http://schemas.microsoft.com/office/drawing/2010/main">
+                <a:solidFill>
+                  <a:srgbClr val="FFFFFF"/>
+                </a:solidFill>
+              </a14:hiddenFill>
+            </a:ext>
+          </a:extLst>
+        </p:spPr>
+      </p:pic>
+    </p:spTree>
+    <p:extLst>
+      <p:ext uri="{BB962C8B-B14F-4D97-AF65-F5344CB8AC3E}">
+        <p14:creationId xmlns:p14="http://schemas.microsoft.com/office/powerpoint/2010/main" val="3580884056"/>
+      </p:ext>
+    </p:extLst>
+  </p:cSld>
+  <p:clrMapOvr>
+    <a:masterClrMapping/>
+  </p:clrMapOvr>
+</p:sld>
+</file>
+
+<file path=ppt/slides/slide13.xml><?xml version="1.0" encoding="utf-8"?>
+<p:sld xmlns:a="http://schemas.openxmlformats.org/drawingml/2006/main" xmlns:r="http://schemas.openxmlformats.org/officeDocument/2006/relationships" xmlns:p="http://schemas.openxmlformats.org/presentationml/2006/main">
+  <p:cSld>
+    <p:spTree>
+      <p:nvGrpSpPr>
+        <p:cNvPr id="1" name=""/>
+        <p:cNvGrpSpPr/>
+        <p:nvPr/>
+      </p:nvGrpSpPr>
+      <p:grpSpPr>
+        <a:xfrm>
+          <a:off x="0" y="0"/>
+          <a:ext cx="0" cy="0"/>
+          <a:chOff x="0" y="0"/>
+          <a:chExt cx="0" cy="0"/>
+        </a:xfrm>
+      </p:grpSpPr>
+      <p:sp>
+        <p:nvSpPr>
+          <p:cNvPr id="2" name="Title 1">
+            <a:extLst>
+              <a:ext uri="{FF2B5EF4-FFF2-40B4-BE49-F238E27FC236}">
+                <a16:creationId xmlns:a16="http://schemas.microsoft.com/office/drawing/2014/main" id="{3C1A174C-BBAD-C145-5765-6C9EED88B1C1}"/>
+              </a:ext>
+            </a:extLst>
+          </p:cNvPr>
+          <p:cNvSpPr>
+            <a:spLocks noGrp="1"/>
+          </p:cNvSpPr>
+          <p:nvPr>
+            <p:ph type="title"/>
+          </p:nvPr>
+        </p:nvSpPr>
+        <p:spPr/>
+        <p:txBody>
+          <a:bodyPr/>
+          <a:lstStyle/>
+          <a:p>
+            <a:r>
+              <a:rPr lang="en-US" dirty="0"/>
+              <a:t>WHAT’S MACHINE LEARNING? </a:t>
+            </a:r>
+          </a:p>
+        </p:txBody>
+      </p:sp>
+      <p:sp>
+        <p:nvSpPr>
+          <p:cNvPr id="3" name="Content Placeholder 2">
+            <a:extLst>
+              <a:ext uri="{FF2B5EF4-FFF2-40B4-BE49-F238E27FC236}">
+                <a16:creationId xmlns:a16="http://schemas.microsoft.com/office/drawing/2014/main" id="{EE25E5A4-E5E4-BCDF-25EC-9CCC40C1BC17}"/>
+              </a:ext>
+            </a:extLst>
+          </p:cNvPr>
+          <p:cNvSpPr>
+            <a:spLocks noGrp="1"/>
+          </p:cNvSpPr>
+          <p:nvPr>
+            <p:ph idx="1"/>
+          </p:nvPr>
+        </p:nvSpPr>
+        <p:spPr/>
+        <p:txBody>
+          <a:bodyPr/>
+          <a:lstStyle/>
+          <a:p>
+            <a:endParaRPr lang="en-US"/>
+          </a:p>
+        </p:txBody>
+      </p:sp>
+    </p:spTree>
+    <p:extLst>
+      <p:ext uri="{BB962C8B-B14F-4D97-AF65-F5344CB8AC3E}">
+        <p14:creationId xmlns:p14="http://schemas.microsoft.com/office/powerpoint/2010/main" val="544943143"/>
+      </p:ext>
+    </p:extLst>
+  </p:cSld>
+  <p:clrMapOvr>
+    <a:masterClrMapping/>
+  </p:clrMapOvr>
+</p:sld>
+</file>
+
+<file path=ppt/slides/slide14.xml><?xml version="1.0" encoding="utf-8"?>
+<p:sld xmlns:a="http://schemas.openxmlformats.org/drawingml/2006/main" xmlns:r="http://schemas.openxmlformats.org/officeDocument/2006/relationships" xmlns:p="http://schemas.openxmlformats.org/presentationml/2006/main" show="0">
+  <p:cSld>
+    <p:spTree>
+      <p:nvGrpSpPr>
+        <p:cNvPr id="1" name=""/>
+        <p:cNvGrpSpPr/>
+        <p:nvPr/>
+      </p:nvGrpSpPr>
+      <p:grpSpPr>
+        <a:xfrm>
+          <a:off x="0" y="0"/>
+          <a:ext cx="0" cy="0"/>
+          <a:chOff x="0" y="0"/>
+          <a:chExt cx="0" cy="0"/>
+        </a:xfrm>
+      </p:grpSpPr>
+      <p:sp>
+        <p:nvSpPr>
+          <p:cNvPr id="2" name="Title 1">
+            <a:extLst>
+              <a:ext uri="{FF2B5EF4-FFF2-40B4-BE49-F238E27FC236}">
+                <a16:creationId xmlns:a16="http://schemas.microsoft.com/office/drawing/2014/main" id="{02217D60-9731-25CD-E417-62C5F608CDD7}"/>
+              </a:ext>
+            </a:extLst>
+          </p:cNvPr>
+          <p:cNvSpPr>
+            <a:spLocks noGrp="1"/>
+          </p:cNvSpPr>
+          <p:nvPr>
+            <p:ph type="title"/>
+          </p:nvPr>
+        </p:nvSpPr>
+        <p:spPr/>
+        <p:txBody>
+          <a:bodyPr/>
+          <a:lstStyle/>
+          <a:p>
+            <a:endParaRPr lang="en-US"/>
+          </a:p>
+        </p:txBody>
+      </p:sp>
+      <p:sp>
+        <p:nvSpPr>
+          <p:cNvPr id="3" name="Content Placeholder 2">
+            <a:extLst>
+              <a:ext uri="{FF2B5EF4-FFF2-40B4-BE49-F238E27FC236}">
+                <a16:creationId xmlns:a16="http://schemas.microsoft.com/office/drawing/2014/main" id="{5A3266FC-F462-1599-9A50-6268CA3ABB55}"/>
+              </a:ext>
+            </a:extLst>
+          </p:cNvPr>
+          <p:cNvSpPr>
+            <a:spLocks noGrp="1"/>
+          </p:cNvSpPr>
+          <p:nvPr>
+            <p:ph idx="1"/>
+          </p:nvPr>
+        </p:nvSpPr>
+        <p:spPr/>
+        <p:txBody>
+          <a:bodyPr/>
+          <a:lstStyle/>
+          <a:p>
+            <a:endParaRPr lang="en-US"/>
+          </a:p>
+        </p:txBody>
+      </p:sp>
+    </p:spTree>
+    <p:extLst>
+      <p:ext uri="{BB962C8B-B14F-4D97-AF65-F5344CB8AC3E}">
+        <p14:creationId xmlns:p14="http://schemas.microsoft.com/office/powerpoint/2010/main" val="3812674806"/>
+      </p:ext>
+    </p:extLst>
+  </p:cSld>
+  <p:clrMapOvr>
+    <a:masterClrMapping/>
+  </p:clrMapOvr>
+</p:sld>
+</file>
+
+<file path=ppt/slides/slide15.xml><?xml version="1.0" encoding="utf-8"?>
+<p:sld xmlns:a="http://schemas.openxmlformats.org/drawingml/2006/main" xmlns:r="http://schemas.openxmlformats.org/officeDocument/2006/relationships" xmlns:p="http://schemas.openxmlformats.org/presentationml/2006/main">
+  <p:cSld>
+    <p:spTree>
+      <p:nvGrpSpPr>
+        <p:cNvPr id="1" name=""/>
+        <p:cNvGrpSpPr/>
+        <p:nvPr/>
+      </p:nvGrpSpPr>
+      <p:grpSpPr>
+        <a:xfrm>
+          <a:off x="0" y="0"/>
+          <a:ext cx="0" cy="0"/>
+          <a:chOff x="0" y="0"/>
+          <a:chExt cx="0" cy="0"/>
+        </a:xfrm>
+      </p:grpSpPr>
+      <p:sp>
+        <p:nvSpPr>
+          <p:cNvPr id="2" name="Title 1">
+            <a:extLst>
+              <a:ext uri="{FF2B5EF4-FFF2-40B4-BE49-F238E27FC236}">
+                <a16:creationId xmlns:a16="http://schemas.microsoft.com/office/drawing/2014/main" id="{78F2063C-9F28-F14A-9F8C-59EE63FFB4F6}"/>
+              </a:ext>
+            </a:extLst>
+          </p:cNvPr>
+          <p:cNvSpPr>
+            <a:spLocks noGrp="1"/>
+          </p:cNvSpPr>
+          <p:nvPr>
+            <p:ph type="title"/>
+          </p:nvPr>
+        </p:nvSpPr>
+        <p:spPr/>
+        <p:txBody>
+          <a:bodyPr/>
+          <a:lstStyle/>
+          <a:p>
+            <a:r>
+              <a:rPr lang="en-US" dirty="0"/>
+              <a:t>Is </a:t>
+            </a:r>
+            <a:r>
+              <a:rPr lang="en-US"/>
+              <a:t>this Cancer?</a:t>
+            </a:r>
+          </a:p>
+        </p:txBody>
+      </p:sp>
+      <p:sp>
+        <p:nvSpPr>
+          <p:cNvPr id="3" name="Content Placeholder 2">
+            <a:extLst>
+              <a:ext uri="{FF2B5EF4-FFF2-40B4-BE49-F238E27FC236}">
+                <a16:creationId xmlns:a16="http://schemas.microsoft.com/office/drawing/2014/main" id="{E9B2A566-68D7-3F49-B4F7-4CE4E8227512}"/>
+              </a:ext>
+            </a:extLst>
+          </p:cNvPr>
+          <p:cNvSpPr>
+            <a:spLocks noGrp="1"/>
+          </p:cNvSpPr>
+          <p:nvPr>
+            <p:ph idx="1"/>
+          </p:nvPr>
+        </p:nvSpPr>
+        <p:spPr/>
+        <p:txBody>
+          <a:bodyPr/>
+          <a:lstStyle/>
+          <a:p>
+            <a:endParaRPr lang="en-US"/>
+          </a:p>
+        </p:txBody>
+      </p:sp>
+      <p:pic>
+        <p:nvPicPr>
+          <p:cNvPr id="1026" name="Picture 2" descr="Detecting Breast Cancer with Deep Learning | by Favio Vázquez | Towards  Data Science">
+            <a:extLst>
+              <a:ext uri="{FF2B5EF4-FFF2-40B4-BE49-F238E27FC236}">
+                <a16:creationId xmlns:a16="http://schemas.microsoft.com/office/drawing/2014/main" id="{02F2F04D-319C-C548-9FFC-36C8184F02C7}"/>
+              </a:ext>
+            </a:extLst>
+          </p:cNvPr>
+          <p:cNvPicPr>
+            <a:picLocks noChangeAspect="1" noChangeArrowheads="1"/>
+          </p:cNvPicPr>
+          <p:nvPr/>
+        </p:nvPicPr>
+        <p:blipFill>
+          <a:blip r:embed="rId2">
+            <a:extLst>
+              <a:ext uri="{28A0092B-C50C-407E-A947-70E740481C1C}">
+                <a14:useLocalDpi xmlns:a14="http://schemas.microsoft.com/office/drawing/2010/main" val="0"/>
+              </a:ext>
+            </a:extLst>
+          </a:blip>
+          <a:srcRect/>
+          <a:stretch>
+            <a:fillRect/>
+          </a:stretch>
+        </p:blipFill>
+        <p:spPr bwMode="auto">
+          <a:xfrm>
+            <a:off x="2124075" y="1391655"/>
+            <a:ext cx="7943850" cy="5328881"/>
+          </a:xfrm>
+          <a:prstGeom prst="rect">
+            <a:avLst/>
+          </a:prstGeom>
+          <a:noFill/>
+          <a:extLst>
+            <a:ext uri="{909E8E84-426E-40DD-AFC4-6F175D3DCCD1}">
+              <a14:hiddenFill xmlns:a14="http://schemas.microsoft.com/office/drawing/2010/main">
+                <a:solidFill>
+                  <a:srgbClr val="FFFFFF"/>
+                </a:solidFill>
+              </a14:hiddenFill>
+            </a:ext>
+          </a:extLst>
+        </p:spPr>
+      </p:pic>
+    </p:spTree>
+    <p:extLst>
+      <p:ext uri="{BB962C8B-B14F-4D97-AF65-F5344CB8AC3E}">
+        <p14:creationId xmlns:p14="http://schemas.microsoft.com/office/powerpoint/2010/main" val="2834027917"/>
+      </p:ext>
+    </p:extLst>
+  </p:cSld>
+  <p:clrMapOvr>
+    <a:masterClrMapping/>
+  </p:clrMapOvr>
+</p:sld>
+</file>
+
+<file path=ppt/slides/slide16.xml><?xml version="1.0" encoding="utf-8"?>
+<p:sld xmlns:a="http://schemas.openxmlformats.org/drawingml/2006/main" xmlns:r="http://schemas.openxmlformats.org/officeDocument/2006/relationships" xmlns:p="http://schemas.openxmlformats.org/presentationml/2006/main">
+  <p:cSld>
+    <p:spTree>
+      <p:nvGrpSpPr>
+        <p:cNvPr id="1" name=""/>
+        <p:cNvGrpSpPr/>
+        <p:nvPr/>
+      </p:nvGrpSpPr>
+      <p:grpSpPr>
+        <a:xfrm>
+          <a:off x="0" y="0"/>
+          <a:ext cx="0" cy="0"/>
+          <a:chOff x="0" y="0"/>
+          <a:chExt cx="0" cy="0"/>
+        </a:xfrm>
+      </p:grpSpPr>
+      <p:sp>
+        <p:nvSpPr>
+          <p:cNvPr id="2" name="Title 1">
+            <a:extLst>
+              <a:ext uri="{FF2B5EF4-FFF2-40B4-BE49-F238E27FC236}">
+                <a16:creationId xmlns:a16="http://schemas.microsoft.com/office/drawing/2014/main" id="{67126DD8-F5A7-0740-AF30-8DCC93F36A4F}"/>
+              </a:ext>
+            </a:extLst>
+          </p:cNvPr>
+          <p:cNvSpPr>
+            <a:spLocks noGrp="1"/>
+          </p:cNvSpPr>
+          <p:nvPr>
+            <p:ph type="title"/>
+          </p:nvPr>
+        </p:nvSpPr>
+        <p:spPr>
+          <a:xfrm>
+            <a:off x="300038" y="962902"/>
+            <a:ext cx="3986212" cy="2380828"/>
+          </a:xfrm>
+        </p:spPr>
+        <p:txBody>
+          <a:bodyPr vert="horz" lIns="91440" tIns="45720" rIns="91440" bIns="0" rtlCol="0" anchor="b">
+            <a:normAutofit/>
+          </a:bodyPr>
+          <a:lstStyle/>
+          <a:p>
+            <a:r>
+              <a:rPr lang="en-US" sz="4800" dirty="0"/>
+              <a:t>How Risky is this driver?</a:t>
+            </a:r>
+          </a:p>
+        </p:txBody>
+      </p:sp>
+      <p:pic>
+        <p:nvPicPr>
+          <p:cNvPr id="2050" name="Picture 2" descr="Predicting your casualties – how machine learning is revolutionizing  insurance pricing at AXA - Technology and Operations Management">
+            <a:extLst>
+              <a:ext uri="{FF2B5EF4-FFF2-40B4-BE49-F238E27FC236}">
+                <a16:creationId xmlns:a16="http://schemas.microsoft.com/office/drawing/2014/main" id="{B4892820-0E5F-174A-A88E-E5511177760D}"/>
+              </a:ext>
+            </a:extLst>
+          </p:cNvPr>
+          <p:cNvPicPr>
+            <a:picLocks noGrp="1" noChangeAspect="1" noChangeArrowheads="1"/>
+          </p:cNvPicPr>
+          <p:nvPr>
+            <p:ph idx="1"/>
+          </p:nvPr>
+        </p:nvPicPr>
+        <p:blipFill>
+          <a:blip r:embed="rId2">
+            <a:extLst>
+              <a:ext uri="{28A0092B-C50C-407E-A947-70E740481C1C}">
+                <a14:useLocalDpi xmlns:a14="http://schemas.microsoft.com/office/drawing/2010/main" val="0"/>
+              </a:ext>
+            </a:extLst>
+          </a:blip>
+          <a:stretch>
+            <a:fillRect/>
+          </a:stretch>
+        </p:blipFill>
+        <p:spPr bwMode="auto">
+          <a:xfrm>
+            <a:off x="4429126" y="-65791"/>
+            <a:ext cx="7762874" cy="6870968"/>
+          </a:xfrm>
+          <a:prstGeom prst="rect">
+            <a:avLst/>
+          </a:prstGeom>
+          <a:noFill/>
+          <a:extLst>
+            <a:ext uri="{909E8E84-426E-40DD-AFC4-6F175D3DCCD1}">
+              <a14:hiddenFill xmlns:a14="http://schemas.microsoft.com/office/drawing/2010/main">
+                <a:solidFill>
+                  <a:srgbClr val="FFFFFF"/>
+                </a:solidFill>
+              </a14:hiddenFill>
+            </a:ext>
+          </a:extLst>
+        </p:spPr>
+      </p:pic>
+    </p:spTree>
+    <p:extLst>
+      <p:ext uri="{BB962C8B-B14F-4D97-AF65-F5344CB8AC3E}">
+        <p14:creationId xmlns:p14="http://schemas.microsoft.com/office/powerpoint/2010/main" val="2098241524"/>
+      </p:ext>
+    </p:extLst>
+  </p:cSld>
+  <p:clrMapOvr>
+    <a:masterClrMapping/>
+  </p:clrMapOvr>
+</p:sld>
+</file>
+
+<file path=ppt/slides/slide17.xml><?xml version="1.0" encoding="utf-8"?>
+<p:sld xmlns:a="http://schemas.openxmlformats.org/drawingml/2006/main" xmlns:r="http://schemas.openxmlformats.org/officeDocument/2006/relationships" xmlns:p="http://schemas.openxmlformats.org/presentationml/2006/main">
+  <p:cSld>
+    <p:spTree>
+      <p:nvGrpSpPr>
+        <p:cNvPr id="1" name=""/>
+        <p:cNvGrpSpPr/>
+        <p:nvPr/>
+      </p:nvGrpSpPr>
+      <p:grpSpPr>
+        <a:xfrm>
+          <a:off x="0" y="0"/>
+          <a:ext cx="0" cy="0"/>
+          <a:chOff x="0" y="0"/>
+          <a:chExt cx="0" cy="0"/>
+        </a:xfrm>
+      </p:grpSpPr>
+      <p:sp>
+        <p:nvSpPr>
+          <p:cNvPr id="2" name="Title 1">
+            <a:extLst>
+              <a:ext uri="{FF2B5EF4-FFF2-40B4-BE49-F238E27FC236}">
+                <a16:creationId xmlns:a16="http://schemas.microsoft.com/office/drawing/2014/main" id="{84BCF12C-3BD9-8F4B-B530-C9E752800501}"/>
+              </a:ext>
+            </a:extLst>
+          </p:cNvPr>
+          <p:cNvSpPr>
+            <a:spLocks noGrp="1"/>
+          </p:cNvSpPr>
+          <p:nvPr>
+            <p:ph type="title"/>
+          </p:nvPr>
+        </p:nvSpPr>
+        <p:spPr/>
+        <p:txBody>
+          <a:bodyPr/>
+          <a:lstStyle/>
+          <a:p>
+            <a:r>
+              <a:rPr lang="en-US" dirty="0"/>
+              <a:t>Who’s Going to Buy My Product?</a:t>
+            </a:r>
+          </a:p>
+        </p:txBody>
+      </p:sp>
+      <p:sp>
+        <p:nvSpPr>
+          <p:cNvPr id="3" name="Content Placeholder 2">
+            <a:extLst>
+              <a:ext uri="{FF2B5EF4-FFF2-40B4-BE49-F238E27FC236}">
+                <a16:creationId xmlns:a16="http://schemas.microsoft.com/office/drawing/2014/main" id="{50EAF3BE-D5BD-3A4C-90BE-3F65A9D88B81}"/>
+              </a:ext>
+            </a:extLst>
+          </p:cNvPr>
+          <p:cNvSpPr>
+            <a:spLocks noGrp="1"/>
+          </p:cNvSpPr>
+          <p:nvPr>
+            <p:ph idx="1"/>
+          </p:nvPr>
+        </p:nvSpPr>
+        <p:spPr/>
+        <p:txBody>
+          <a:bodyPr/>
+          <a:lstStyle/>
+          <a:p>
+            <a:endParaRPr lang="en-US"/>
+          </a:p>
+        </p:txBody>
+      </p:sp>
+      <p:pic>
+        <p:nvPicPr>
+          <p:cNvPr id="3074" name="Picture 2" descr="Machine learning for digital advertising">
+            <a:extLst>
+              <a:ext uri="{FF2B5EF4-FFF2-40B4-BE49-F238E27FC236}">
+                <a16:creationId xmlns:a16="http://schemas.microsoft.com/office/drawing/2014/main" id="{4C85B1AA-D8AD-F343-9377-1548B107CBBE}"/>
+              </a:ext>
+            </a:extLst>
+          </p:cNvPr>
+          <p:cNvPicPr>
+            <a:picLocks noChangeAspect="1" noChangeArrowheads="1"/>
+          </p:cNvPicPr>
+          <p:nvPr/>
+        </p:nvPicPr>
+        <p:blipFill>
+          <a:blip r:embed="rId2">
+            <a:extLst>
+              <a:ext uri="{28A0092B-C50C-407E-A947-70E740481C1C}">
+                <a14:useLocalDpi xmlns:a14="http://schemas.microsoft.com/office/drawing/2010/main" val="0"/>
+              </a:ext>
+            </a:extLst>
+          </a:blip>
+          <a:srcRect/>
+          <a:stretch>
+            <a:fillRect/>
+          </a:stretch>
+        </p:blipFill>
+        <p:spPr bwMode="auto">
+          <a:xfrm>
+            <a:off x="1451578" y="1454276"/>
+            <a:ext cx="9603275" cy="5403724"/>
+          </a:xfrm>
+          <a:prstGeom prst="rect">
+            <a:avLst/>
+          </a:prstGeom>
+          <a:noFill/>
+          <a:extLst>
+            <a:ext uri="{909E8E84-426E-40DD-AFC4-6F175D3DCCD1}">
+              <a14:hiddenFill xmlns:a14="http://schemas.microsoft.com/office/drawing/2010/main">
+                <a:solidFill>
+                  <a:srgbClr val="FFFFFF"/>
+                </a:solidFill>
+              </a14:hiddenFill>
+            </a:ext>
+          </a:extLst>
+        </p:spPr>
+      </p:pic>
+    </p:spTree>
+    <p:extLst>
+      <p:ext uri="{BB962C8B-B14F-4D97-AF65-F5344CB8AC3E}">
+        <p14:creationId xmlns:p14="http://schemas.microsoft.com/office/powerpoint/2010/main" val="697305399"/>
+      </p:ext>
+    </p:extLst>
+  </p:cSld>
+  <p:clrMapOvr>
+    <a:masterClrMapping/>
+  </p:clrMapOvr>
+</p:sld>
+</file>
+
+<file path=ppt/slides/slide18.xml><?xml version="1.0" encoding="utf-8"?>
+<p:sld xmlns:a="http://schemas.openxmlformats.org/drawingml/2006/main" xmlns:r="http://schemas.openxmlformats.org/officeDocument/2006/relationships" xmlns:p="http://schemas.openxmlformats.org/presentationml/2006/main">
+  <p:cSld>
+    <p:spTree>
+      <p:nvGrpSpPr>
+        <p:cNvPr id="1" name=""/>
+        <p:cNvGrpSpPr/>
+        <p:nvPr/>
+      </p:nvGrpSpPr>
+      <p:grpSpPr>
+        <a:xfrm>
+          <a:off x="0" y="0"/>
+          <a:ext cx="0" cy="0"/>
+          <a:chOff x="0" y="0"/>
+          <a:chExt cx="0" cy="0"/>
+        </a:xfrm>
+      </p:grpSpPr>
+      <p:sp>
+        <p:nvSpPr>
+          <p:cNvPr id="2" name="Title 1">
+            <a:extLst>
+              <a:ext uri="{FF2B5EF4-FFF2-40B4-BE49-F238E27FC236}">
+                <a16:creationId xmlns:a16="http://schemas.microsoft.com/office/drawing/2014/main" id="{56E9D3AE-FCA3-7A41-ADAC-A6F2D43DE82D}"/>
+              </a:ext>
+            </a:extLst>
+          </p:cNvPr>
+          <p:cNvSpPr>
+            <a:spLocks noGrp="1"/>
+          </p:cNvSpPr>
+          <p:nvPr>
+            <p:ph type="title"/>
+          </p:nvPr>
+        </p:nvSpPr>
+        <p:spPr/>
+        <p:txBody>
+          <a:bodyPr/>
+          <a:lstStyle/>
+          <a:p>
+            <a:r>
+              <a:rPr lang="en-US" dirty="0"/>
+              <a:t>Is this Player Going to Excel in the NBA?</a:t>
+            </a:r>
+          </a:p>
+        </p:txBody>
+      </p:sp>
+      <p:sp>
+        <p:nvSpPr>
+          <p:cNvPr id="3" name="Content Placeholder 2">
+            <a:extLst>
+              <a:ext uri="{FF2B5EF4-FFF2-40B4-BE49-F238E27FC236}">
+                <a16:creationId xmlns:a16="http://schemas.microsoft.com/office/drawing/2014/main" id="{AC1A1B68-F3A4-F34F-9751-55F5B00D41C9}"/>
+              </a:ext>
+            </a:extLst>
+          </p:cNvPr>
+          <p:cNvSpPr>
+            <a:spLocks noGrp="1"/>
+          </p:cNvSpPr>
+          <p:nvPr>
+            <p:ph idx="1"/>
+          </p:nvPr>
+        </p:nvSpPr>
+        <p:spPr/>
+        <p:txBody>
+          <a:bodyPr/>
+          <a:lstStyle/>
+          <a:p>
+            <a:endParaRPr lang="en-US"/>
+          </a:p>
+        </p:txBody>
+      </p:sp>
+      <p:pic>
+        <p:nvPicPr>
+          <p:cNvPr id="4098" name="Picture 2" descr="Using Machine Learning to Find the 8 Types of Players in the NBA | by Alex  Cheng | Fastbreak Data | Medium">
+            <a:extLst>
+              <a:ext uri="{FF2B5EF4-FFF2-40B4-BE49-F238E27FC236}">
+                <a16:creationId xmlns:a16="http://schemas.microsoft.com/office/drawing/2014/main" id="{1E904DCD-2CEF-6340-9DCB-B381C892E97B}"/>
+              </a:ext>
+            </a:extLst>
+          </p:cNvPr>
+          <p:cNvPicPr>
+            <a:picLocks noChangeAspect="1" noChangeArrowheads="1"/>
+          </p:cNvPicPr>
+          <p:nvPr/>
+        </p:nvPicPr>
+        <p:blipFill>
+          <a:blip r:embed="rId2">
+            <a:extLst>
+              <a:ext uri="{28A0092B-C50C-407E-A947-70E740481C1C}">
+                <a14:useLocalDpi xmlns:a14="http://schemas.microsoft.com/office/drawing/2010/main" val="0"/>
+              </a:ext>
+            </a:extLst>
+          </a:blip>
+          <a:srcRect/>
+          <a:stretch>
+            <a:fillRect/>
+          </a:stretch>
+        </p:blipFill>
+        <p:spPr bwMode="auto">
+          <a:xfrm>
+            <a:off x="725789" y="1329136"/>
+            <a:ext cx="11054854" cy="5445380"/>
+          </a:xfrm>
+          <a:prstGeom prst="rect">
+            <a:avLst/>
+          </a:prstGeom>
+          <a:noFill/>
+          <a:extLst>
+            <a:ext uri="{909E8E84-426E-40DD-AFC4-6F175D3DCCD1}">
+              <a14:hiddenFill xmlns:a14="http://schemas.microsoft.com/office/drawing/2010/main">
+                <a:solidFill>
+                  <a:srgbClr val="FFFFFF"/>
+                </a:solidFill>
+              </a14:hiddenFill>
+            </a:ext>
+          </a:extLst>
+        </p:spPr>
+      </p:pic>
+    </p:spTree>
+    <p:extLst>
+      <p:ext uri="{BB962C8B-B14F-4D97-AF65-F5344CB8AC3E}">
+        <p14:creationId xmlns:p14="http://schemas.microsoft.com/office/powerpoint/2010/main" val="2591754228"/>
+      </p:ext>
+    </p:extLst>
+  </p:cSld>
+  <p:clrMapOvr>
+    <a:masterClrMapping/>
+  </p:clrMapOvr>
+</p:sld>
+</file>
+
+<file path=ppt/slides/slide19.xml><?xml version="1.0" encoding="utf-8"?>
+<p:sld xmlns:a="http://schemas.openxmlformats.org/drawingml/2006/main" xmlns:r="http://schemas.openxmlformats.org/officeDocument/2006/relationships" xmlns:p="http://schemas.openxmlformats.org/presentationml/2006/main">
+  <p:cSld>
+    <p:spTree>
+      <p:nvGrpSpPr>
+        <p:cNvPr id="1" name=""/>
+        <p:cNvGrpSpPr/>
+        <p:nvPr/>
+      </p:nvGrpSpPr>
+      <p:grpSpPr>
+        <a:xfrm>
+          <a:off x="0" y="0"/>
+          <a:ext cx="0" cy="0"/>
+          <a:chOff x="0" y="0"/>
+          <a:chExt cx="0" cy="0"/>
+        </a:xfrm>
+      </p:grpSpPr>
+      <p:sp>
+        <p:nvSpPr>
+          <p:cNvPr id="2" name="Title 1">
+            <a:extLst>
+              <a:ext uri="{FF2B5EF4-FFF2-40B4-BE49-F238E27FC236}">
+                <a16:creationId xmlns:a16="http://schemas.microsoft.com/office/drawing/2014/main" id="{DE4F5AB5-C810-EE1D-AEAE-A44890EB9244}"/>
+              </a:ext>
+            </a:extLst>
+          </p:cNvPr>
+          <p:cNvSpPr>
+            <a:spLocks noGrp="1"/>
+          </p:cNvSpPr>
+          <p:nvPr>
+            <p:ph type="title"/>
+          </p:nvPr>
+        </p:nvSpPr>
+        <p:spPr/>
+        <p:txBody>
+          <a:bodyPr/>
+          <a:lstStyle/>
+          <a:p>
+            <a:endParaRPr lang="en-US"/>
+          </a:p>
+        </p:txBody>
+      </p:sp>
+      <p:sp>
+        <p:nvSpPr>
+          <p:cNvPr id="3" name="Content Placeholder 2">
+            <a:extLst>
+              <a:ext uri="{FF2B5EF4-FFF2-40B4-BE49-F238E27FC236}">
+                <a16:creationId xmlns:a16="http://schemas.microsoft.com/office/drawing/2014/main" id="{1FDE00C4-FAA2-D85D-C91F-3D4371C9E36A}"/>
+              </a:ext>
+            </a:extLst>
+          </p:cNvPr>
+          <p:cNvSpPr>
+            <a:spLocks noGrp="1"/>
+          </p:cNvSpPr>
+          <p:nvPr>
+            <p:ph idx="1"/>
+          </p:nvPr>
+        </p:nvSpPr>
+        <p:spPr>
+          <a:xfrm>
+            <a:off x="4845050" y="2015732"/>
+            <a:ext cx="3335124" cy="3450613"/>
+          </a:xfrm>
+        </p:spPr>
+        <p:txBody>
+          <a:bodyPr/>
+          <a:lstStyle/>
+          <a:p>
+            <a:r>
+              <a:rPr lang="en-US" dirty="0"/>
+              <a:t>It can also allow people to destroy the concept of human creativity or create an army of AI powered killing machines. </a:t>
+            </a:r>
+          </a:p>
+        </p:txBody>
+      </p:sp>
+      <p:pic>
+        <p:nvPicPr>
+          <p:cNvPr id="2050" name="Picture 2" descr="World's first movie written by Chat GPT AI - IMDb">
+            <a:extLst>
+              <a:ext uri="{FF2B5EF4-FFF2-40B4-BE49-F238E27FC236}">
+                <a16:creationId xmlns:a16="http://schemas.microsoft.com/office/drawing/2014/main" id="{BBB05A64-1601-E4E6-0498-42100E511F55}"/>
+              </a:ext>
+            </a:extLst>
+          </p:cNvPr>
+          <p:cNvPicPr>
+            <a:picLocks noChangeAspect="1" noChangeArrowheads="1"/>
+          </p:cNvPicPr>
+          <p:nvPr/>
+        </p:nvPicPr>
+        <p:blipFill>
+          <a:blip r:embed="rId2">
+            <a:extLst>
+              <a:ext uri="{28A0092B-C50C-407E-A947-70E740481C1C}">
+                <a14:useLocalDpi xmlns:a14="http://schemas.microsoft.com/office/drawing/2010/main" val="0"/>
+              </a:ext>
+            </a:extLst>
+          </a:blip>
+          <a:srcRect/>
+          <a:stretch>
+            <a:fillRect/>
+          </a:stretch>
+        </p:blipFill>
+        <p:spPr bwMode="auto">
+          <a:xfrm>
+            <a:off x="0" y="0"/>
+            <a:ext cx="4845050" cy="6858000"/>
+          </a:xfrm>
+          <a:prstGeom prst="rect">
+            <a:avLst/>
+          </a:prstGeom>
+          <a:noFill/>
+          <a:extLst>
+            <a:ext uri="{909E8E84-426E-40DD-AFC4-6F175D3DCCD1}">
+              <a14:hiddenFill xmlns:a14="http://schemas.microsoft.com/office/drawing/2010/main">
+                <a:solidFill>
+                  <a:srgbClr val="FFFFFF"/>
+                </a:solidFill>
+              </a14:hiddenFill>
+            </a:ext>
+          </a:extLst>
+        </p:spPr>
+      </p:pic>
+      <p:pic>
+        <p:nvPicPr>
+          <p:cNvPr id="2052" name="Picture 4" descr="These Israeli Urban Battlefield Assassin Drones Are Nightmare Fuel">
+            <a:extLst>
+              <a:ext uri="{FF2B5EF4-FFF2-40B4-BE49-F238E27FC236}">
+                <a16:creationId xmlns:a16="http://schemas.microsoft.com/office/drawing/2014/main" id="{1579779D-2245-AE7F-B814-8532A0E8D8F0}"/>
+              </a:ext>
+            </a:extLst>
+          </p:cNvPr>
+          <p:cNvPicPr>
+            <a:picLocks noChangeAspect="1" noChangeArrowheads="1"/>
+          </p:cNvPicPr>
+          <p:nvPr/>
+        </p:nvPicPr>
+        <p:blipFill>
+          <a:blip r:embed="rId3">
+            <a:extLst>
+              <a:ext uri="{28A0092B-C50C-407E-A947-70E740481C1C}">
+                <a14:useLocalDpi xmlns:a14="http://schemas.microsoft.com/office/drawing/2010/main" val="0"/>
+              </a:ext>
+            </a:extLst>
+          </a:blip>
+          <a:srcRect/>
+          <a:stretch>
+            <a:fillRect/>
+          </a:stretch>
+        </p:blipFill>
+        <p:spPr bwMode="auto">
+          <a:xfrm>
+            <a:off x="7117492" y="4016276"/>
+            <a:ext cx="5074508" cy="2841724"/>
+          </a:xfrm>
+          <a:prstGeom prst="rect">
+            <a:avLst/>
+          </a:prstGeom>
+          <a:noFill/>
+          <a:extLst>
+            <a:ext uri="{909E8E84-426E-40DD-AFC4-6F175D3DCCD1}">
+              <a14:hiddenFill xmlns:a14="http://schemas.microsoft.com/office/drawing/2010/main">
+                <a:solidFill>
+                  <a:srgbClr val="FFFFFF"/>
+                </a:solidFill>
+              </a14:hiddenFill>
+            </a:ext>
+          </a:extLst>
+        </p:spPr>
+      </p:pic>
+    </p:spTree>
+    <p:extLst>
+      <p:ext uri="{BB962C8B-B14F-4D97-AF65-F5344CB8AC3E}">
+        <p14:creationId xmlns:p14="http://schemas.microsoft.com/office/powerpoint/2010/main" val="736526627"/>
       </p:ext>
     </p:extLst>
   </p:cSld>
@@ -3715,7 +5048,7 @@
           <p:cNvPr id="2" name="Title 1">
             <a:extLst>
               <a:ext uri="{FF2B5EF4-FFF2-40B4-BE49-F238E27FC236}">
-                <a16:creationId xmlns:a16="http://schemas.microsoft.com/office/drawing/2014/main" id="{8CFC6CA3-CBA7-1745-BDA6-D61D0190251C}"/>
+                <a16:creationId xmlns:a16="http://schemas.microsoft.com/office/drawing/2014/main" id="{422CEE39-E244-4A52-4DBC-E118CE49C2B5}"/>
               </a:ext>
             </a:extLst>
           </p:cNvPr>
@@ -3733,7 +5066,7 @@
           <a:p>
             <a:r>
               <a:rPr lang="en-US" dirty="0"/>
-              <a:t>Instructor</a:t>
+              <a:t>Overview</a:t>
             </a:r>
           </a:p>
         </p:txBody>
@@ -3743,7 +5076,7 @@
           <p:cNvPr id="3" name="Content Placeholder 2">
             <a:extLst>
               <a:ext uri="{FF2B5EF4-FFF2-40B4-BE49-F238E27FC236}">
-                <a16:creationId xmlns:a16="http://schemas.microsoft.com/office/drawing/2014/main" id="{7E0351AE-E29A-FA48-8DF0-E4D4838A08A0}"/>
+                <a16:creationId xmlns:a16="http://schemas.microsoft.com/office/drawing/2014/main" id="{AA4255EF-2362-4462-6C81-5472EAAB14ED}"/>
               </a:ext>
             </a:extLst>
           </p:cNvPr>
@@ -3754,10 +5087,114 @@
             <p:ph idx="1"/>
           </p:nvPr>
         </p:nvSpPr>
+        <p:spPr/>
+        <p:txBody>
+          <a:bodyPr/>
+          <a:lstStyle/>
+          <a:p>
+            <a:r>
+              <a:rPr lang="en-US" dirty="0"/>
+              <a:t>Introduction and logistics. </a:t>
+            </a:r>
+          </a:p>
+          <a:p>
+            <a:r>
+              <a:rPr lang="en-US" dirty="0"/>
+              <a:t>Course overview. </a:t>
+            </a:r>
+          </a:p>
+          <a:p>
+            <a:r>
+              <a:rPr lang="en-US" dirty="0"/>
+              <a:t>ML review of stuff from stats. </a:t>
+            </a:r>
+          </a:p>
+          <a:p>
+            <a:r>
+              <a:rPr lang="en-US" dirty="0"/>
+              <a:t>Part 1 of assignment #1. </a:t>
+            </a:r>
+          </a:p>
+        </p:txBody>
+      </p:sp>
+    </p:spTree>
+    <p:extLst>
+      <p:ext uri="{BB962C8B-B14F-4D97-AF65-F5344CB8AC3E}">
+        <p14:creationId xmlns:p14="http://schemas.microsoft.com/office/powerpoint/2010/main" val="3239401463"/>
+      </p:ext>
+    </p:extLst>
+  </p:cSld>
+  <p:clrMapOvr>
+    <a:masterClrMapping/>
+  </p:clrMapOvr>
+</p:sld>
+</file>
+
+<file path=ppt/slides/slide20.xml><?xml version="1.0" encoding="utf-8"?>
+<p:sld xmlns:a="http://schemas.openxmlformats.org/drawingml/2006/main" xmlns:r="http://schemas.openxmlformats.org/officeDocument/2006/relationships" xmlns:p="http://schemas.openxmlformats.org/presentationml/2006/main">
+  <p:cSld>
+    <p:spTree>
+      <p:nvGrpSpPr>
+        <p:cNvPr id="1" name=""/>
+        <p:cNvGrpSpPr/>
+        <p:nvPr/>
+      </p:nvGrpSpPr>
+      <p:grpSpPr>
+        <a:xfrm>
+          <a:off x="0" y="0"/>
+          <a:ext cx="0" cy="0"/>
+          <a:chOff x="0" y="0"/>
+          <a:chExt cx="0" cy="0"/>
+        </a:xfrm>
+      </p:grpSpPr>
+      <p:sp>
+        <p:nvSpPr>
+          <p:cNvPr id="2" name="Title 1">
+            <a:extLst>
+              <a:ext uri="{FF2B5EF4-FFF2-40B4-BE49-F238E27FC236}">
+                <a16:creationId xmlns:a16="http://schemas.microsoft.com/office/drawing/2014/main" id="{73A8C726-73CB-0F7E-D52C-DA1C2DAE41BC}"/>
+              </a:ext>
+            </a:extLst>
+          </p:cNvPr>
+          <p:cNvSpPr>
+            <a:spLocks noGrp="1"/>
+          </p:cNvSpPr>
+          <p:nvPr>
+            <p:ph type="title"/>
+          </p:nvPr>
+        </p:nvSpPr>
+        <p:spPr/>
+        <p:txBody>
+          <a:bodyPr/>
+          <a:lstStyle/>
+          <a:p>
+            <a:r>
+              <a:rPr lang="en-US" dirty="0"/>
+              <a:t>MACHINE LEARNING BASICS</a:t>
+            </a:r>
+          </a:p>
+        </p:txBody>
+      </p:sp>
+      <p:sp>
+        <p:nvSpPr>
+          <p:cNvPr id="3" name="Content Placeholder 2">
+            <a:extLst>
+              <a:ext uri="{FF2B5EF4-FFF2-40B4-BE49-F238E27FC236}">
+                <a16:creationId xmlns:a16="http://schemas.microsoft.com/office/drawing/2014/main" id="{C867372B-FF17-BFD6-E69C-F1DFB454DBBF}"/>
+              </a:ext>
+            </a:extLst>
+          </p:cNvPr>
+          <p:cNvSpPr>
+            <a:spLocks noGrp="1"/>
+          </p:cNvSpPr>
+          <p:nvPr>
+            <p:ph idx="1"/>
+          </p:nvPr>
+        </p:nvSpPr>
         <p:spPr>
           <a:xfrm>
             <a:off x="1451579" y="2015732"/>
-            <a:ext cx="9603275" cy="3916717"/>
+            <a:ext cx="9603275" cy="4037749"/>
           </a:xfrm>
         </p:spPr>
         <p:txBody>
@@ -3766,61 +5203,914 @@
           <a:p>
             <a:r>
               <a:rPr lang="en-US" dirty="0"/>
-              <a:t>Akeem Semper</a:t>
-            </a:r>
-          </a:p>
-          <a:p>
-            <a:r>
-              <a:rPr lang="en-US" dirty="0"/>
-              <a:t>Contact: </a:t>
-            </a:r>
-            <a:r>
-              <a:rPr lang="en-US" dirty="0">
-                <a:hlinkClick r:id="rId2"/>
-              </a:rPr>
-              <a:t>asemper@nait.ca</a:t>
-            </a:r>
+              <a:t>Computerized information systems allow us to capture massive amounts of data.</a:t>
+            </a:r>
+          </a:p>
+          <a:p>
+            <a:r>
+              <a:rPr lang="en-US" dirty="0"/>
+              <a:t>Machine learning is using computers to detect patterns and use those patterns to make predictions. </a:t>
+            </a:r>
+          </a:p>
+          <a:p>
+            <a:r>
+              <a:rPr lang="en-US" dirty="0"/>
+              <a:t>Basically – if we have a lot of old examples, the computer can become really good at learning patterns and making predictions. </a:t>
+            </a:r>
+          </a:p>
+          <a:p>
             <a:endParaRPr lang="en-US" dirty="0"/>
-          </a:p>
-          <a:p>
-            <a:r>
-              <a:rPr lang="en-US" dirty="0"/>
-              <a:t>Education:</a:t>
-            </a:r>
-          </a:p>
-          <a:p>
-            <a:pPr lvl="1"/>
-            <a:r>
-              <a:rPr lang="en-US" dirty="0"/>
-              <a:t>B.Sc. Computer Science</a:t>
-            </a:r>
-          </a:p>
-          <a:p>
-            <a:pPr lvl="1"/>
-            <a:r>
-              <a:rPr lang="en-US" dirty="0"/>
-              <a:t>B.Ed. Secondary Math/Physics</a:t>
-            </a:r>
-          </a:p>
-          <a:p>
-            <a:pPr lvl="1"/>
-            <a:r>
-              <a:rPr lang="en-US" dirty="0"/>
-              <a:t>MBA</a:t>
-            </a:r>
-          </a:p>
-          <a:p>
-            <a:r>
-              <a:rPr lang="en-US" dirty="0"/>
-              <a:t>Relevant background: Mainly in reporting analytics. </a:t>
-            </a:r>
           </a:p>
         </p:txBody>
       </p:sp>
     </p:spTree>
     <p:extLst>
       <p:ext uri="{BB962C8B-B14F-4D97-AF65-F5344CB8AC3E}">
-        <p14:creationId xmlns:p14="http://schemas.microsoft.com/office/powerpoint/2010/main" val="2607014345"/>
+        <p14:creationId xmlns:p14="http://schemas.microsoft.com/office/powerpoint/2010/main" val="3295552553"/>
+      </p:ext>
+    </p:extLst>
+  </p:cSld>
+  <p:clrMapOvr>
+    <a:masterClrMapping/>
+  </p:clrMapOvr>
+</p:sld>
+</file>
+
+<file path=ppt/slides/slide21.xml><?xml version="1.0" encoding="utf-8"?>
+<p:sld xmlns:a="http://schemas.openxmlformats.org/drawingml/2006/main" xmlns:r="http://schemas.openxmlformats.org/officeDocument/2006/relationships" xmlns:p="http://schemas.openxmlformats.org/presentationml/2006/main">
+  <p:cSld>
+    <p:spTree>
+      <p:nvGrpSpPr>
+        <p:cNvPr id="1" name=""/>
+        <p:cNvGrpSpPr/>
+        <p:nvPr/>
+      </p:nvGrpSpPr>
+      <p:grpSpPr>
+        <a:xfrm>
+          <a:off x="0" y="0"/>
+          <a:ext cx="0" cy="0"/>
+          <a:chOff x="0" y="0"/>
+          <a:chExt cx="0" cy="0"/>
+        </a:xfrm>
+      </p:grpSpPr>
+      <p:sp>
+        <p:nvSpPr>
+          <p:cNvPr id="2" name="Title 1">
+            <a:extLst>
+              <a:ext uri="{FF2B5EF4-FFF2-40B4-BE49-F238E27FC236}">
+                <a16:creationId xmlns:a16="http://schemas.microsoft.com/office/drawing/2014/main" id="{1FA76F53-751E-CC61-C74B-E73320001708}"/>
+              </a:ext>
+            </a:extLst>
+          </p:cNvPr>
+          <p:cNvSpPr>
+            <a:spLocks noGrp="1"/>
+          </p:cNvSpPr>
+          <p:nvPr>
+            <p:ph type="title"/>
+          </p:nvPr>
+        </p:nvSpPr>
+        <p:spPr/>
+        <p:txBody>
+          <a:bodyPr/>
+          <a:lstStyle/>
+          <a:p>
+            <a:r>
+              <a:rPr lang="en-US" dirty="0"/>
+              <a:t>What’s the Key?</a:t>
+            </a:r>
+          </a:p>
+        </p:txBody>
+      </p:sp>
+      <p:sp>
+        <p:nvSpPr>
+          <p:cNvPr id="3" name="Content Placeholder 2">
+            <a:extLst>
+              <a:ext uri="{FF2B5EF4-FFF2-40B4-BE49-F238E27FC236}">
+                <a16:creationId xmlns:a16="http://schemas.microsoft.com/office/drawing/2014/main" id="{394EC9FD-C3C7-E796-6982-7B1413BE5C42}"/>
+              </a:ext>
+            </a:extLst>
+          </p:cNvPr>
+          <p:cNvSpPr>
+            <a:spLocks noGrp="1"/>
+          </p:cNvSpPr>
+          <p:nvPr>
+            <p:ph idx="1"/>
+          </p:nvPr>
+        </p:nvSpPr>
+        <p:spPr/>
+        <p:txBody>
+          <a:bodyPr/>
+          <a:lstStyle/>
+          <a:p>
+            <a:r>
+              <a:rPr lang="en-US" dirty="0"/>
+              <a:t>We don’t tell the computer how to make predictions.</a:t>
+            </a:r>
+          </a:p>
+          <a:p>
+            <a:r>
+              <a:rPr lang="en-US" dirty="0"/>
+              <a:t>We give the computer old examples, it figures out how to make predictions itself. </a:t>
+            </a:r>
+          </a:p>
+          <a:p>
+            <a:endParaRPr lang="en-US" dirty="0"/>
+          </a:p>
+        </p:txBody>
+      </p:sp>
+      <p:pic>
+        <p:nvPicPr>
+          <p:cNvPr id="3074" name="Picture 2" descr="Machine Learning – What Is It and Why Does It Matter?">
+            <a:extLst>
+              <a:ext uri="{FF2B5EF4-FFF2-40B4-BE49-F238E27FC236}">
+                <a16:creationId xmlns:a16="http://schemas.microsoft.com/office/drawing/2014/main" id="{3086ACAF-15A6-DB6B-61F9-A5FEA5BAE008}"/>
+              </a:ext>
+            </a:extLst>
+          </p:cNvPr>
+          <p:cNvPicPr>
+            <a:picLocks noChangeAspect="1" noChangeArrowheads="1"/>
+          </p:cNvPicPr>
+          <p:nvPr/>
+        </p:nvPicPr>
+        <p:blipFill>
+          <a:blip r:embed="rId2">
+            <a:extLst>
+              <a:ext uri="{28A0092B-C50C-407E-A947-70E740481C1C}">
+                <a14:useLocalDpi xmlns:a14="http://schemas.microsoft.com/office/drawing/2010/main" val="0"/>
+              </a:ext>
+            </a:extLst>
+          </a:blip>
+          <a:srcRect/>
+          <a:stretch>
+            <a:fillRect/>
+          </a:stretch>
+        </p:blipFill>
+        <p:spPr bwMode="auto">
+          <a:xfrm>
+            <a:off x="2694640" y="3022409"/>
+            <a:ext cx="7117152" cy="3687310"/>
+          </a:xfrm>
+          <a:prstGeom prst="rect">
+            <a:avLst/>
+          </a:prstGeom>
+          <a:noFill/>
+          <a:extLst>
+            <a:ext uri="{909E8E84-426E-40DD-AFC4-6F175D3DCCD1}">
+              <a14:hiddenFill xmlns:a14="http://schemas.microsoft.com/office/drawing/2010/main">
+                <a:solidFill>
+                  <a:srgbClr val="FFFFFF"/>
+                </a:solidFill>
+              </a14:hiddenFill>
+            </a:ext>
+          </a:extLst>
+        </p:spPr>
+      </p:pic>
+    </p:spTree>
+    <p:extLst>
+      <p:ext uri="{BB962C8B-B14F-4D97-AF65-F5344CB8AC3E}">
+        <p14:creationId xmlns:p14="http://schemas.microsoft.com/office/powerpoint/2010/main" val="1191813065"/>
+      </p:ext>
+    </p:extLst>
+  </p:cSld>
+  <p:clrMapOvr>
+    <a:masterClrMapping/>
+  </p:clrMapOvr>
+</p:sld>
+</file>
+
+<file path=ppt/slides/slide22.xml><?xml version="1.0" encoding="utf-8"?>
+<p:sld xmlns:a="http://schemas.openxmlformats.org/drawingml/2006/main" xmlns:r="http://schemas.openxmlformats.org/officeDocument/2006/relationships" xmlns:p="http://schemas.openxmlformats.org/presentationml/2006/main">
+  <p:cSld>
+    <p:spTree>
+      <p:nvGrpSpPr>
+        <p:cNvPr id="1" name=""/>
+        <p:cNvGrpSpPr/>
+        <p:nvPr/>
+      </p:nvGrpSpPr>
+      <p:grpSpPr>
+        <a:xfrm>
+          <a:off x="0" y="0"/>
+          <a:ext cx="0" cy="0"/>
+          <a:chOff x="0" y="0"/>
+          <a:chExt cx="0" cy="0"/>
+        </a:xfrm>
+      </p:grpSpPr>
+      <p:sp>
+        <p:nvSpPr>
+          <p:cNvPr id="2" name="Title 1">
+            <a:extLst>
+              <a:ext uri="{FF2B5EF4-FFF2-40B4-BE49-F238E27FC236}">
+                <a16:creationId xmlns:a16="http://schemas.microsoft.com/office/drawing/2014/main" id="{6C4D206E-FDC7-195A-8CF6-6CD6326A102D}"/>
+              </a:ext>
+            </a:extLst>
+          </p:cNvPr>
+          <p:cNvSpPr>
+            <a:spLocks noGrp="1"/>
+          </p:cNvSpPr>
+          <p:nvPr>
+            <p:ph type="title"/>
+          </p:nvPr>
+        </p:nvSpPr>
+        <p:spPr/>
+        <p:txBody>
+          <a:bodyPr/>
+          <a:lstStyle/>
+          <a:p>
+            <a:r>
+              <a:rPr lang="en-US" dirty="0"/>
+              <a:t>Old Concepts, New Applications</a:t>
+            </a:r>
+          </a:p>
+        </p:txBody>
+      </p:sp>
+      <p:sp>
+        <p:nvSpPr>
+          <p:cNvPr id="3" name="Content Placeholder 2">
+            <a:extLst>
+              <a:ext uri="{FF2B5EF4-FFF2-40B4-BE49-F238E27FC236}">
+                <a16:creationId xmlns:a16="http://schemas.microsoft.com/office/drawing/2014/main" id="{24F44FE0-7504-5F3B-0527-B44602CABEAC}"/>
+              </a:ext>
+            </a:extLst>
+          </p:cNvPr>
+          <p:cNvSpPr>
+            <a:spLocks noGrp="1"/>
+          </p:cNvSpPr>
+          <p:nvPr>
+            <p:ph idx="1"/>
+          </p:nvPr>
+        </p:nvSpPr>
+        <p:spPr/>
+        <p:txBody>
+          <a:bodyPr/>
+          <a:lstStyle/>
+          <a:p>
+            <a:r>
+              <a:rPr lang="en-US" dirty="0"/>
+              <a:t>That idea isn’t new:</a:t>
+            </a:r>
+          </a:p>
+          <a:p>
+            <a:pPr lvl="1"/>
+            <a:r>
+              <a:rPr lang="en-US" dirty="0"/>
+              <a:t>How do you predict if a restaurant will be good? </a:t>
+            </a:r>
+          </a:p>
+          <a:p>
+            <a:pPr lvl="1"/>
+            <a:r>
+              <a:rPr lang="en-US" dirty="0"/>
+              <a:t>If a job is worth applying for? </a:t>
+            </a:r>
+          </a:p>
+          <a:p>
+            <a:pPr lvl="1"/>
+            <a:r>
+              <a:rPr lang="en-US" dirty="0"/>
+              <a:t>If someone will date you?</a:t>
+            </a:r>
+          </a:p>
+          <a:p>
+            <a:r>
+              <a:rPr lang="en-US" dirty="0"/>
+              <a:t>The scale, breadth, speed, and accuracy are new.</a:t>
+            </a:r>
+          </a:p>
+          <a:p>
+            <a:pPr lvl="1"/>
+            <a:r>
+              <a:rPr lang="en-US" dirty="0"/>
+              <a:t>More data and smarter models means that more subtle patters can be found. </a:t>
+            </a:r>
+          </a:p>
+          <a:p>
+            <a:pPr lvl="1"/>
+            <a:r>
+              <a:rPr lang="en-US" dirty="0"/>
+              <a:t>We can apply this almost anywhere that we have data. </a:t>
+            </a:r>
+          </a:p>
+        </p:txBody>
+      </p:sp>
+    </p:spTree>
+    <p:extLst>
+      <p:ext uri="{BB962C8B-B14F-4D97-AF65-F5344CB8AC3E}">
+        <p14:creationId xmlns:p14="http://schemas.microsoft.com/office/powerpoint/2010/main" val="349993303"/>
+      </p:ext>
+    </p:extLst>
+  </p:cSld>
+  <p:clrMapOvr>
+    <a:masterClrMapping/>
+  </p:clrMapOvr>
+</p:sld>
+</file>
+
+<file path=ppt/slides/slide23.xml><?xml version="1.0" encoding="utf-8"?>
+<p:sld xmlns:a="http://schemas.openxmlformats.org/drawingml/2006/main" xmlns:r="http://schemas.openxmlformats.org/officeDocument/2006/relationships" xmlns:p="http://schemas.openxmlformats.org/presentationml/2006/main">
+  <p:cSld>
+    <p:spTree>
+      <p:nvGrpSpPr>
+        <p:cNvPr id="1" name=""/>
+        <p:cNvGrpSpPr/>
+        <p:nvPr/>
+      </p:nvGrpSpPr>
+      <p:grpSpPr>
+        <a:xfrm>
+          <a:off x="0" y="0"/>
+          <a:ext cx="0" cy="0"/>
+          <a:chOff x="0" y="0"/>
+          <a:chExt cx="0" cy="0"/>
+        </a:xfrm>
+      </p:grpSpPr>
+      <p:sp>
+        <p:nvSpPr>
+          <p:cNvPr id="2" name="Title 1">
+            <a:extLst>
+              <a:ext uri="{FF2B5EF4-FFF2-40B4-BE49-F238E27FC236}">
+                <a16:creationId xmlns:a16="http://schemas.microsoft.com/office/drawing/2014/main" id="{C6132D7A-9041-6F7B-66BF-18C6B4D5E59D}"/>
+              </a:ext>
+            </a:extLst>
+          </p:cNvPr>
+          <p:cNvSpPr>
+            <a:spLocks noGrp="1"/>
+          </p:cNvSpPr>
+          <p:nvPr>
+            <p:ph type="title"/>
+          </p:nvPr>
+        </p:nvSpPr>
+        <p:spPr/>
+        <p:txBody>
+          <a:bodyPr/>
+          <a:lstStyle/>
+          <a:p>
+            <a:endParaRPr lang="en-US"/>
+          </a:p>
+        </p:txBody>
+      </p:sp>
+      <p:sp>
+        <p:nvSpPr>
+          <p:cNvPr id="3" name="Content Placeholder 2">
+            <a:extLst>
+              <a:ext uri="{FF2B5EF4-FFF2-40B4-BE49-F238E27FC236}">
+                <a16:creationId xmlns:a16="http://schemas.microsoft.com/office/drawing/2014/main" id="{9F96B162-49A5-5F2F-0D09-499DA7AF68F7}"/>
+              </a:ext>
+            </a:extLst>
+          </p:cNvPr>
+          <p:cNvSpPr>
+            <a:spLocks noGrp="1"/>
+          </p:cNvSpPr>
+          <p:nvPr>
+            <p:ph idx="1"/>
+          </p:nvPr>
+        </p:nvSpPr>
+        <p:spPr/>
+        <p:txBody>
+          <a:bodyPr/>
+          <a:lstStyle/>
+          <a:p>
+            <a:endParaRPr lang="en-US"/>
+          </a:p>
+        </p:txBody>
+      </p:sp>
+      <p:pic>
+        <p:nvPicPr>
+          <p:cNvPr id="4098" name="Picture 2" descr="Setting Up a Machine for Deep Learning | by Semih Yagcioglu | HUCVL Stories  | Medium">
+            <a:extLst>
+              <a:ext uri="{FF2B5EF4-FFF2-40B4-BE49-F238E27FC236}">
+                <a16:creationId xmlns:a16="http://schemas.microsoft.com/office/drawing/2014/main" id="{A2AE9832-B126-7F48-C572-30904B0F8B5E}"/>
+              </a:ext>
+            </a:extLst>
+          </p:cNvPr>
+          <p:cNvPicPr>
+            <a:picLocks noChangeAspect="1" noChangeArrowheads="1"/>
+          </p:cNvPicPr>
+          <p:nvPr/>
+        </p:nvPicPr>
+        <p:blipFill>
+          <a:blip r:embed="rId2">
+            <a:extLst>
+              <a:ext uri="{28A0092B-C50C-407E-A947-70E740481C1C}">
+                <a14:useLocalDpi xmlns:a14="http://schemas.microsoft.com/office/drawing/2010/main" val="0"/>
+              </a:ext>
+            </a:extLst>
+          </a:blip>
+          <a:srcRect/>
+          <a:stretch>
+            <a:fillRect/>
+          </a:stretch>
+        </p:blipFill>
+        <p:spPr bwMode="auto">
+          <a:xfrm>
+            <a:off x="0" y="300038"/>
+            <a:ext cx="12192000" cy="6257925"/>
+          </a:xfrm>
+          <a:prstGeom prst="rect">
+            <a:avLst/>
+          </a:prstGeom>
+          <a:noFill/>
+          <a:extLst>
+            <a:ext uri="{909E8E84-426E-40DD-AFC4-6F175D3DCCD1}">
+              <a14:hiddenFill xmlns:a14="http://schemas.microsoft.com/office/drawing/2010/main">
+                <a:solidFill>
+                  <a:srgbClr val="FFFFFF"/>
+                </a:solidFill>
+              </a14:hiddenFill>
+            </a:ext>
+          </a:extLst>
+        </p:spPr>
+      </p:pic>
+    </p:spTree>
+    <p:extLst>
+      <p:ext uri="{BB962C8B-B14F-4D97-AF65-F5344CB8AC3E}">
+        <p14:creationId xmlns:p14="http://schemas.microsoft.com/office/powerpoint/2010/main" val="480772892"/>
+      </p:ext>
+    </p:extLst>
+  </p:cSld>
+  <p:clrMapOvr>
+    <a:masterClrMapping/>
+  </p:clrMapOvr>
+</p:sld>
+</file>
+
+<file path=ppt/slides/slide24.xml><?xml version="1.0" encoding="utf-8"?>
+<p:sld xmlns:a="http://schemas.openxmlformats.org/drawingml/2006/main" xmlns:r="http://schemas.openxmlformats.org/officeDocument/2006/relationships" xmlns:p="http://schemas.openxmlformats.org/presentationml/2006/main">
+  <p:cSld>
+    <p:spTree>
+      <p:nvGrpSpPr>
+        <p:cNvPr id="1" name=""/>
+        <p:cNvGrpSpPr/>
+        <p:nvPr/>
+      </p:nvGrpSpPr>
+      <p:grpSpPr>
+        <a:xfrm>
+          <a:off x="0" y="0"/>
+          <a:ext cx="0" cy="0"/>
+          <a:chOff x="0" y="0"/>
+          <a:chExt cx="0" cy="0"/>
+        </a:xfrm>
+      </p:grpSpPr>
+      <p:sp>
+        <p:nvSpPr>
+          <p:cNvPr id="2" name="Title 1">
+            <a:extLst>
+              <a:ext uri="{FF2B5EF4-FFF2-40B4-BE49-F238E27FC236}">
+                <a16:creationId xmlns:a16="http://schemas.microsoft.com/office/drawing/2014/main" id="{DA7E8AE7-BC1A-B74A-FEB8-DE9DEAB5C6A1}"/>
+              </a:ext>
+            </a:extLst>
+          </p:cNvPr>
+          <p:cNvSpPr>
+            <a:spLocks noGrp="1"/>
+          </p:cNvSpPr>
+          <p:nvPr>
+            <p:ph type="title"/>
+          </p:nvPr>
+        </p:nvSpPr>
+        <p:spPr/>
+        <p:txBody>
+          <a:bodyPr/>
+          <a:lstStyle/>
+          <a:p>
+            <a:r>
+              <a:rPr lang="en-US" dirty="0"/>
+              <a:t>What’s this Deep Learning Bit?</a:t>
+            </a:r>
+          </a:p>
+        </p:txBody>
+      </p:sp>
+      <p:sp>
+        <p:nvSpPr>
+          <p:cNvPr id="3" name="Content Placeholder 2">
+            <a:extLst>
+              <a:ext uri="{FF2B5EF4-FFF2-40B4-BE49-F238E27FC236}">
+                <a16:creationId xmlns:a16="http://schemas.microsoft.com/office/drawing/2014/main" id="{69B165BB-E49B-7B59-58E0-B2922B18ADD4}"/>
+              </a:ext>
+            </a:extLst>
+          </p:cNvPr>
+          <p:cNvSpPr>
+            <a:spLocks noGrp="1"/>
+          </p:cNvSpPr>
+          <p:nvPr>
+            <p:ph idx="1"/>
+          </p:nvPr>
+        </p:nvSpPr>
+        <p:spPr>
+          <a:xfrm>
+            <a:off x="1451579" y="2015732"/>
+            <a:ext cx="9603275" cy="4037749"/>
+          </a:xfrm>
+        </p:spPr>
+        <p:txBody>
+          <a:bodyPr/>
+          <a:lstStyle/>
+          <a:p>
+            <a:r>
+              <a:rPr lang="en-US" dirty="0"/>
+              <a:t>Deep Learning uses neural networks – one type of algorithm of machine learning.</a:t>
+            </a:r>
+          </a:p>
+          <a:p>
+            <a:r>
+              <a:rPr lang="en-US" dirty="0"/>
+              <a:t>The DL algorithm can be replaced with linear regression, trees, or any other algorithm and the concepts are the same. </a:t>
+            </a:r>
+          </a:p>
+          <a:p>
+            <a:r>
+              <a:rPr lang="en-US" dirty="0"/>
+              <a:t>(Virtually??) All of the cool AI things are based on deep learning models. </a:t>
+            </a:r>
+          </a:p>
+          <a:p>
+            <a:pPr lvl="1"/>
+            <a:r>
+              <a:rPr lang="en-US" dirty="0"/>
+              <a:t>Image recognition. </a:t>
+            </a:r>
+          </a:p>
+          <a:p>
+            <a:pPr lvl="1"/>
+            <a:r>
+              <a:rPr lang="en-US" dirty="0"/>
+              <a:t>Large language models. </a:t>
+            </a:r>
+          </a:p>
+          <a:p>
+            <a:pPr lvl="1"/>
+            <a:r>
+              <a:rPr lang="en-US" dirty="0"/>
+              <a:t>Image and video generation. </a:t>
+            </a:r>
+          </a:p>
+          <a:p>
+            <a:r>
+              <a:rPr lang="en-US" dirty="0"/>
+              <a:t>Deep learning models can be very powerful, but need lots of data. </a:t>
+            </a:r>
+          </a:p>
+        </p:txBody>
+      </p:sp>
+    </p:spTree>
+    <p:extLst>
+      <p:ext uri="{BB962C8B-B14F-4D97-AF65-F5344CB8AC3E}">
+        <p14:creationId xmlns:p14="http://schemas.microsoft.com/office/powerpoint/2010/main" val="3686699744"/>
+      </p:ext>
+    </p:extLst>
+  </p:cSld>
+  <p:clrMapOvr>
+    <a:masterClrMapping/>
+  </p:clrMapOvr>
+</p:sld>
+</file>
+
+<file path=ppt/slides/slide25.xml><?xml version="1.0" encoding="utf-8"?>
+<p:sld xmlns:a="http://schemas.openxmlformats.org/drawingml/2006/main" xmlns:r="http://schemas.openxmlformats.org/officeDocument/2006/relationships" xmlns:p="http://schemas.openxmlformats.org/presentationml/2006/main">
+  <p:cSld>
+    <p:spTree>
+      <p:nvGrpSpPr>
+        <p:cNvPr id="1" name=""/>
+        <p:cNvGrpSpPr/>
+        <p:nvPr/>
+      </p:nvGrpSpPr>
+      <p:grpSpPr>
+        <a:xfrm>
+          <a:off x="0" y="0"/>
+          <a:ext cx="0" cy="0"/>
+          <a:chOff x="0" y="0"/>
+          <a:chExt cx="0" cy="0"/>
+        </a:xfrm>
+      </p:grpSpPr>
+      <p:sp>
+        <p:nvSpPr>
+          <p:cNvPr id="2" name="Title 1">
+            <a:extLst>
+              <a:ext uri="{FF2B5EF4-FFF2-40B4-BE49-F238E27FC236}">
+                <a16:creationId xmlns:a16="http://schemas.microsoft.com/office/drawing/2014/main" id="{087D5139-188C-BE10-6CC1-D32725EAE8E7}"/>
+              </a:ext>
+            </a:extLst>
+          </p:cNvPr>
+          <p:cNvSpPr>
+            <a:spLocks noGrp="1"/>
+          </p:cNvSpPr>
+          <p:nvPr>
+            <p:ph type="title"/>
+          </p:nvPr>
+        </p:nvSpPr>
+        <p:spPr/>
+        <p:txBody>
+          <a:bodyPr/>
+          <a:lstStyle/>
+          <a:p>
+            <a:r>
+              <a:rPr lang="en-US" dirty="0"/>
+              <a:t>The ML Process is Simple</a:t>
+            </a:r>
+          </a:p>
+        </p:txBody>
+      </p:sp>
+      <p:sp>
+        <p:nvSpPr>
+          <p:cNvPr id="3" name="Content Placeholder 2">
+            <a:extLst>
+              <a:ext uri="{FF2B5EF4-FFF2-40B4-BE49-F238E27FC236}">
+                <a16:creationId xmlns:a16="http://schemas.microsoft.com/office/drawing/2014/main" id="{5CAB4B8E-356F-E215-AF1D-9B11753C0DA0}"/>
+              </a:ext>
+            </a:extLst>
+          </p:cNvPr>
+          <p:cNvSpPr>
+            <a:spLocks noGrp="1"/>
+          </p:cNvSpPr>
+          <p:nvPr>
+            <p:ph idx="1"/>
+          </p:nvPr>
+        </p:nvSpPr>
+        <p:spPr>
+          <a:xfrm>
+            <a:off x="1451579" y="1853754"/>
+            <a:ext cx="9603275" cy="4278689"/>
+          </a:xfrm>
+        </p:spPr>
+        <p:txBody>
+          <a:bodyPr/>
+          <a:lstStyle/>
+          <a:p>
+            <a:r>
+              <a:rPr lang="en-US" dirty="0"/>
+              <a:t>The machine learning process will always involve a few basic steps:</a:t>
+            </a:r>
+          </a:p>
+          <a:p>
+            <a:pPr lvl="1"/>
+            <a:r>
+              <a:rPr lang="en-US" dirty="0"/>
+              <a:t>1 – Collect data on what we care about.</a:t>
+            </a:r>
+          </a:p>
+          <a:p>
+            <a:pPr lvl="1"/>
+            <a:r>
+              <a:rPr lang="en-US" dirty="0"/>
+              <a:t>2 – ‘Clean’ that data up.</a:t>
+            </a:r>
+          </a:p>
+          <a:p>
+            <a:pPr lvl="1"/>
+            <a:r>
+              <a:rPr lang="en-US" dirty="0"/>
+              <a:t>3 – Give the data to the algorithm to learn.</a:t>
+            </a:r>
+          </a:p>
+          <a:p>
+            <a:pPr lvl="1"/>
+            <a:r>
+              <a:rPr lang="en-US" dirty="0"/>
+              <a:t>4 – Evaluate and revise if needed. </a:t>
+            </a:r>
+          </a:p>
+          <a:p>
+            <a:pPr lvl="1"/>
+            <a:r>
+              <a:rPr lang="en-US" dirty="0"/>
+              <a:t>5 – Let the model generated from the algorithm make new predictions.</a:t>
+            </a:r>
+          </a:p>
+          <a:p>
+            <a:r>
+              <a:rPr lang="en-US" dirty="0"/>
+              <a:t>Our work here is generally in stages 2 to 4. </a:t>
+            </a:r>
+          </a:p>
+          <a:p>
+            <a:pPr lvl="1"/>
+            <a:r>
+              <a:rPr lang="en-US" dirty="0"/>
+              <a:t>There are many different models that will work, we need to try to find a good one. </a:t>
+            </a:r>
+          </a:p>
+        </p:txBody>
+      </p:sp>
+    </p:spTree>
+    <p:extLst>
+      <p:ext uri="{BB962C8B-B14F-4D97-AF65-F5344CB8AC3E}">
+        <p14:creationId xmlns:p14="http://schemas.microsoft.com/office/powerpoint/2010/main" val="2001090196"/>
+      </p:ext>
+    </p:extLst>
+  </p:cSld>
+  <p:clrMapOvr>
+    <a:masterClrMapping/>
+  </p:clrMapOvr>
+</p:sld>
+</file>
+
+<file path=ppt/slides/slide26.xml><?xml version="1.0" encoding="utf-8"?>
+<p:sld xmlns:a="http://schemas.openxmlformats.org/drawingml/2006/main" xmlns:r="http://schemas.openxmlformats.org/officeDocument/2006/relationships" xmlns:p="http://schemas.openxmlformats.org/presentationml/2006/main">
+  <p:cSld>
+    <p:spTree>
+      <p:nvGrpSpPr>
+        <p:cNvPr id="1" name=""/>
+        <p:cNvGrpSpPr/>
+        <p:nvPr/>
+      </p:nvGrpSpPr>
+      <p:grpSpPr>
+        <a:xfrm>
+          <a:off x="0" y="0"/>
+          <a:ext cx="0" cy="0"/>
+          <a:chOff x="0" y="0"/>
+          <a:chExt cx="0" cy="0"/>
+        </a:xfrm>
+      </p:grpSpPr>
+      <p:sp>
+        <p:nvSpPr>
+          <p:cNvPr id="2" name="Title 1">
+            <a:extLst>
+              <a:ext uri="{FF2B5EF4-FFF2-40B4-BE49-F238E27FC236}">
+                <a16:creationId xmlns:a16="http://schemas.microsoft.com/office/drawing/2014/main" id="{9E18518A-2E52-014E-5328-B72B61B9658C}"/>
+              </a:ext>
+            </a:extLst>
+          </p:cNvPr>
+          <p:cNvSpPr>
+            <a:spLocks noGrp="1"/>
+          </p:cNvSpPr>
+          <p:nvPr>
+            <p:ph type="title"/>
+          </p:nvPr>
+        </p:nvSpPr>
+        <p:spPr/>
+        <p:txBody>
+          <a:bodyPr/>
+          <a:lstStyle/>
+          <a:p>
+            <a:r>
+              <a:rPr lang="en-US" dirty="0"/>
+              <a:t>Review – Regression and Gradient Descent</a:t>
+            </a:r>
+          </a:p>
+        </p:txBody>
+      </p:sp>
+      <p:sp>
+        <p:nvSpPr>
+          <p:cNvPr id="3" name="Content Placeholder 2">
+            <a:extLst>
+              <a:ext uri="{FF2B5EF4-FFF2-40B4-BE49-F238E27FC236}">
+                <a16:creationId xmlns:a16="http://schemas.microsoft.com/office/drawing/2014/main" id="{0FA75469-086D-1405-3B6A-BB0DEC695B99}"/>
+              </a:ext>
+            </a:extLst>
+          </p:cNvPr>
+          <p:cNvSpPr>
+            <a:spLocks noGrp="1"/>
+          </p:cNvSpPr>
+          <p:nvPr>
+            <p:ph idx="1"/>
+          </p:nvPr>
+        </p:nvSpPr>
+        <p:spPr/>
+        <p:txBody>
+          <a:bodyPr/>
+          <a:lstStyle/>
+          <a:p>
+            <a:endParaRPr lang="en-US"/>
+          </a:p>
+        </p:txBody>
+      </p:sp>
+      <p:pic>
+        <p:nvPicPr>
+          <p:cNvPr id="4" name="Google Shape;66;p18">
+            <a:extLst>
+              <a:ext uri="{FF2B5EF4-FFF2-40B4-BE49-F238E27FC236}">
+                <a16:creationId xmlns:a16="http://schemas.microsoft.com/office/drawing/2014/main" id="{6F6C9129-109E-6937-FAFD-ACC16E90B94E}"/>
+              </a:ext>
+            </a:extLst>
+          </p:cNvPr>
+          <p:cNvPicPr preferRelativeResize="0"/>
+          <p:nvPr/>
+        </p:nvPicPr>
+        <p:blipFill>
+          <a:blip r:embed="rId2">
+            <a:alphaModFix/>
+          </a:blip>
+          <a:stretch>
+            <a:fillRect/>
+          </a:stretch>
+        </p:blipFill>
+        <p:spPr>
+          <a:xfrm>
+            <a:off x="0" y="1883662"/>
+            <a:ext cx="5906530" cy="4974337"/>
+          </a:xfrm>
+          <a:prstGeom prst="rect">
+            <a:avLst/>
+          </a:prstGeom>
+          <a:noFill/>
+          <a:ln>
+            <a:noFill/>
+          </a:ln>
+        </p:spPr>
+      </p:pic>
+    </p:spTree>
+    <p:extLst>
+      <p:ext uri="{BB962C8B-B14F-4D97-AF65-F5344CB8AC3E}">
+        <p14:creationId xmlns:p14="http://schemas.microsoft.com/office/powerpoint/2010/main" val="4150381018"/>
+      </p:ext>
+    </p:extLst>
+  </p:cSld>
+  <p:clrMapOvr>
+    <a:masterClrMapping/>
+  </p:clrMapOvr>
+</p:sld>
+</file>
+
+<file path=ppt/slides/slide27.xml><?xml version="1.0" encoding="utf-8"?>
+<p:sld xmlns:a="http://schemas.openxmlformats.org/drawingml/2006/main" xmlns:r="http://schemas.openxmlformats.org/officeDocument/2006/relationships" xmlns:p="http://schemas.openxmlformats.org/presentationml/2006/main">
+  <p:cSld>
+    <p:spTree>
+      <p:nvGrpSpPr>
+        <p:cNvPr id="1" name=""/>
+        <p:cNvGrpSpPr/>
+        <p:nvPr/>
+      </p:nvGrpSpPr>
+      <p:grpSpPr>
+        <a:xfrm>
+          <a:off x="0" y="0"/>
+          <a:ext cx="0" cy="0"/>
+          <a:chOff x="0" y="0"/>
+          <a:chExt cx="0" cy="0"/>
+        </a:xfrm>
+      </p:grpSpPr>
+    </p:spTree>
+    <p:extLst>
+      <p:ext uri="{BB962C8B-B14F-4D97-AF65-F5344CB8AC3E}">
+        <p14:creationId xmlns:p14="http://schemas.microsoft.com/office/powerpoint/2010/main" val="2457218937"/>
+      </p:ext>
+    </p:extLst>
+  </p:cSld>
+  <p:clrMapOvr>
+    <a:masterClrMapping/>
+  </p:clrMapOvr>
+</p:sld>
+</file>
+
+<file path=ppt/slides/slide28.xml><?xml version="1.0" encoding="utf-8"?>
+<p:sld xmlns:a="http://schemas.openxmlformats.org/drawingml/2006/main" xmlns:r="http://schemas.openxmlformats.org/officeDocument/2006/relationships" xmlns:p="http://schemas.openxmlformats.org/presentationml/2006/main">
+  <p:cSld>
+    <p:spTree>
+      <p:nvGrpSpPr>
+        <p:cNvPr id="1" name="">
+          <a:extLst>
+            <a:ext uri="{FF2B5EF4-FFF2-40B4-BE49-F238E27FC236}">
+              <a16:creationId xmlns:a16="http://schemas.microsoft.com/office/drawing/2014/main" id="{7B654D8A-8452-B932-7AA2-BF9AD4C8DEEE}"/>
+            </a:ext>
+          </a:extLst>
+        </p:cNvPr>
+        <p:cNvGrpSpPr/>
+        <p:nvPr/>
+      </p:nvGrpSpPr>
+      <p:grpSpPr>
+        <a:xfrm>
+          <a:off x="0" y="0"/>
+          <a:ext cx="0" cy="0"/>
+          <a:chOff x="0" y="0"/>
+          <a:chExt cx="0" cy="0"/>
+        </a:xfrm>
+      </p:grpSpPr>
+    </p:spTree>
+    <p:extLst>
+      <p:ext uri="{BB962C8B-B14F-4D97-AF65-F5344CB8AC3E}">
+        <p14:creationId xmlns:p14="http://schemas.microsoft.com/office/powerpoint/2010/main" val="4084347283"/>
+      </p:ext>
+    </p:extLst>
+  </p:cSld>
+  <p:clrMapOvr>
+    <a:masterClrMapping/>
+  </p:clrMapOvr>
+</p:sld>
+</file>
+
+<file path=ppt/slides/slide29.xml><?xml version="1.0" encoding="utf-8"?>
+<p:sld xmlns:a="http://schemas.openxmlformats.org/drawingml/2006/main" xmlns:r="http://schemas.openxmlformats.org/officeDocument/2006/relationships" xmlns:p="http://schemas.openxmlformats.org/presentationml/2006/main">
+  <p:cSld>
+    <p:spTree>
+      <p:nvGrpSpPr>
+        <p:cNvPr id="1" name="">
+          <a:extLst>
+            <a:ext uri="{FF2B5EF4-FFF2-40B4-BE49-F238E27FC236}">
+              <a16:creationId xmlns:a16="http://schemas.microsoft.com/office/drawing/2014/main" id="{CF9C4510-BA31-1EE0-2CF1-7391548AA634}"/>
+            </a:ext>
+          </a:extLst>
+        </p:cNvPr>
+        <p:cNvGrpSpPr/>
+        <p:nvPr/>
+      </p:nvGrpSpPr>
+      <p:grpSpPr>
+        <a:xfrm>
+          <a:off x="0" y="0"/>
+          <a:ext cx="0" cy="0"/>
+          <a:chOff x="0" y="0"/>
+          <a:chExt cx="0" cy="0"/>
+        </a:xfrm>
+      </p:grpSpPr>
+    </p:spTree>
+    <p:extLst>
+      <p:ext uri="{BB962C8B-B14F-4D97-AF65-F5344CB8AC3E}">
+        <p14:creationId xmlns:p14="http://schemas.microsoft.com/office/powerpoint/2010/main" val="1659773987"/>
       </p:ext>
     </p:extLst>
   </p:cSld>
@@ -3852,7 +6142,7 @@
           <p:cNvPr id="2" name="Title 1">
             <a:extLst>
               <a:ext uri="{FF2B5EF4-FFF2-40B4-BE49-F238E27FC236}">
-                <a16:creationId xmlns:a16="http://schemas.microsoft.com/office/drawing/2014/main" id="{AD48167B-9BCE-634A-8F47-BF11983870F0}"/>
+                <a16:creationId xmlns:a16="http://schemas.microsoft.com/office/drawing/2014/main" id="{8CFC6CA3-CBA7-1745-BDA6-D61D0190251C}"/>
               </a:ext>
             </a:extLst>
           </p:cNvPr>
@@ -3870,7 +6160,7 @@
           <a:p>
             <a:r>
               <a:rPr lang="en-US" dirty="0"/>
-              <a:t>Overview</a:t>
+              <a:t>Instructor</a:t>
             </a:r>
           </a:p>
         </p:txBody>
@@ -3880,7 +6170,7 @@
           <p:cNvPr id="3" name="Content Placeholder 2">
             <a:extLst>
               <a:ext uri="{FF2B5EF4-FFF2-40B4-BE49-F238E27FC236}">
-                <a16:creationId xmlns:a16="http://schemas.microsoft.com/office/drawing/2014/main" id="{9CDFA870-6A5E-5343-8A8F-00BF4C2AC9E2}"/>
+                <a16:creationId xmlns:a16="http://schemas.microsoft.com/office/drawing/2014/main" id="{7E0351AE-E29A-FA48-8DF0-E4D4838A08A0}"/>
               </a:ext>
             </a:extLst>
           </p:cNvPr>
@@ -3893,87 +6183,63 @@
         </p:nvSpPr>
         <p:spPr>
           <a:xfrm>
-            <a:off x="1451579" y="1853754"/>
-            <a:ext cx="9603275" cy="4301719"/>
+            <a:off x="1451579" y="2015732"/>
+            <a:ext cx="9603275" cy="3916717"/>
           </a:xfrm>
         </p:spPr>
         <p:txBody>
-          <a:bodyPr>
-            <a:normAutofit fontScale="92500" lnSpcReduction="10000"/>
-          </a:bodyPr>
-          <a:lstStyle/>
-          <a:p>
-            <a:r>
-              <a:rPr lang="en-US" dirty="0"/>
-              <a:t>Broad coverage of major machine learning techniques. </a:t>
+          <a:bodyPr/>
+          <a:lstStyle/>
+          <a:p>
+            <a:r>
+              <a:rPr lang="en-US" dirty="0"/>
+              <a:t>Akeem Semper</a:t>
+            </a:r>
+          </a:p>
+          <a:p>
+            <a:r>
+              <a:rPr lang="en-US" dirty="0"/>
+              <a:t>Contact: </a:t>
+            </a:r>
+            <a:r>
+              <a:rPr lang="en-US" dirty="0">
+                <a:hlinkClick r:id="rId2"/>
+              </a:rPr>
+              <a:t>asemper@nait.ca</a:t>
+            </a:r>
+            <a:endParaRPr lang="en-US" dirty="0"/>
+          </a:p>
+          <a:p>
+            <a:r>
+              <a:rPr lang="en-US" dirty="0"/>
+              <a:t>Education:</a:t>
             </a:r>
           </a:p>
           <a:p>
             <a:pPr lvl="1"/>
             <a:r>
               <a:rPr lang="en-US" dirty="0"/>
-              <a:t>Focus on being able to apply the techniques in code. </a:t>
+              <a:t>B.Sc. Computer Science</a:t>
             </a:r>
           </a:p>
           <a:p>
             <a:pPr lvl="1"/>
             <a:r>
               <a:rPr lang="en-US" dirty="0"/>
-              <a:t>Touch on, but not deeply interrogate, the mathematical backing. </a:t>
+              <a:t>B.Ed. Secondary Math/Physics</a:t>
             </a:r>
           </a:p>
           <a:p>
             <a:pPr lvl="1"/>
             <a:r>
               <a:rPr lang="en-US" dirty="0"/>
-              <a:t>Survey impacts and uses of different technologies. </a:t>
-            </a:r>
-          </a:p>
-          <a:p>
-            <a:r>
-              <a:rPr lang="en-US" dirty="0"/>
-              <a:t>For each ”chunk”, we’ll aim to cover:</a:t>
-            </a:r>
-          </a:p>
-          <a:p>
-            <a:pPr lvl="1"/>
-            <a:r>
-              <a:rPr lang="en-US" dirty="0"/>
-              <a:t>An algorithm (or two). </a:t>
-            </a:r>
-          </a:p>
-          <a:p>
-            <a:pPr lvl="1"/>
-            <a:r>
-              <a:rPr lang="en-US" dirty="0"/>
-              <a:t>A type of data. </a:t>
-            </a:r>
-          </a:p>
-          <a:p>
-            <a:pPr lvl="1"/>
-            <a:r>
-              <a:rPr lang="en-US" dirty="0"/>
-              <a:t>Some tools/library/processes. </a:t>
-            </a:r>
-          </a:p>
-          <a:p>
-            <a:r>
-              <a:rPr lang="en-US" dirty="0"/>
-              <a:t>Goals by the end of the course:</a:t>
-            </a:r>
-          </a:p>
-          <a:p>
-            <a:pPr lvl="1"/>
-            <a:r>
-              <a:rPr lang="en-US" dirty="0"/>
-              <a:t>For simple/repeated problems, you can solve them by building models. </a:t>
-            </a:r>
-          </a:p>
-          <a:p>
-            <a:pPr lvl="1"/>
-            <a:r>
-              <a:rPr lang="en-US" dirty="0"/>
-              <a:t>For more complex/novel problems, you have an idea what to start investigating. </a:t>
+              <a:t>MBA</a:t>
+            </a:r>
+          </a:p>
+          <a:p>
+            <a:r>
+              <a:rPr lang="en-US" dirty="0"/>
+              <a:t>Relevant background: Mainly in reporting analytics. </a:t>
             </a:r>
           </a:p>
         </p:txBody>
@@ -3981,7 +6247,7 @@
     </p:spTree>
     <p:extLst>
       <p:ext uri="{BB962C8B-B14F-4D97-AF65-F5344CB8AC3E}">
-        <p14:creationId xmlns:p14="http://schemas.microsoft.com/office/powerpoint/2010/main" val="479975151"/>
+        <p14:creationId xmlns:p14="http://schemas.microsoft.com/office/powerpoint/2010/main" val="2607014345"/>
       </p:ext>
     </p:extLst>
   </p:cSld>
@@ -4013,7 +6279,7 @@
           <p:cNvPr id="2" name="Title 1">
             <a:extLst>
               <a:ext uri="{FF2B5EF4-FFF2-40B4-BE49-F238E27FC236}">
-                <a16:creationId xmlns:a16="http://schemas.microsoft.com/office/drawing/2014/main" id="{D295C9E9-5B2E-694C-86B2-AEB3A92B1506}"/>
+                <a16:creationId xmlns:a16="http://schemas.microsoft.com/office/drawing/2014/main" id="{AD48167B-9BCE-634A-8F47-BF11983870F0}"/>
               </a:ext>
             </a:extLst>
           </p:cNvPr>
@@ -4031,7 +6297,7 @@
           <a:p>
             <a:r>
               <a:rPr lang="en-US" dirty="0"/>
-              <a:t>Grading</a:t>
+              <a:t>Overview</a:t>
             </a:r>
           </a:p>
         </p:txBody>
@@ -4041,7 +6307,7 @@
           <p:cNvPr id="3" name="Content Placeholder 2">
             <a:extLst>
               <a:ext uri="{FF2B5EF4-FFF2-40B4-BE49-F238E27FC236}">
-                <a16:creationId xmlns:a16="http://schemas.microsoft.com/office/drawing/2014/main" id="{2BEFD56D-9C8D-464C-B009-D0C0D583F20E}"/>
+                <a16:creationId xmlns:a16="http://schemas.microsoft.com/office/drawing/2014/main" id="{9CDFA870-6A5E-5343-8A8F-00BF4C2AC9E2}"/>
               </a:ext>
             </a:extLst>
           </p:cNvPr>
@@ -4052,26 +6318,89 @@
             <p:ph idx="1"/>
           </p:nvPr>
         </p:nvSpPr>
-        <p:spPr/>
-        <p:txBody>
-          <a:bodyPr/>
-          <a:lstStyle/>
-          <a:p>
-            <a:r>
-              <a:rPr lang="en-US" dirty="0"/>
-              <a:t>Quizzes: 15%</a:t>
-            </a:r>
-          </a:p>
-          <a:p>
-            <a:r>
-              <a:rPr lang="en-US" dirty="0"/>
-              <a:t>Assignments: 50%</a:t>
-            </a:r>
-          </a:p>
-          <a:p>
-            <a:r>
-              <a:rPr lang="en-US" dirty="0"/>
-              <a:t>Projects: 35%</a:t>
+        <p:spPr>
+          <a:xfrm>
+            <a:off x="1451579" y="1853754"/>
+            <a:ext cx="10740421" cy="4301719"/>
+          </a:xfrm>
+        </p:spPr>
+        <p:txBody>
+          <a:bodyPr>
+            <a:normAutofit fontScale="92500" lnSpcReduction="10000"/>
+          </a:bodyPr>
+          <a:lstStyle/>
+          <a:p>
+            <a:r>
+              <a:rPr lang="en-US" dirty="0"/>
+              <a:t>Broad coverage of major machine learning techniques – 2m ‘classical’ models, 1m neural networks. </a:t>
+            </a:r>
+          </a:p>
+          <a:p>
+            <a:pPr lvl="1"/>
+            <a:r>
+              <a:rPr lang="en-US" dirty="0"/>
+              <a:t>Focus on being able to apply the techniques in code. </a:t>
+            </a:r>
+          </a:p>
+          <a:p>
+            <a:pPr lvl="1"/>
+            <a:r>
+              <a:rPr lang="en-US" dirty="0"/>
+              <a:t>Touch on, but not deeply interrogate, the mathematical backing. </a:t>
+            </a:r>
+          </a:p>
+          <a:p>
+            <a:pPr lvl="1"/>
+            <a:r>
+              <a:rPr lang="en-US" dirty="0"/>
+              <a:t>Survey impacts and uses of different technologies. </a:t>
+            </a:r>
+          </a:p>
+          <a:p>
+            <a:r>
+              <a:rPr lang="en-US" dirty="0"/>
+              <a:t>For each ”chunk”, we’ll aim to cover:</a:t>
+            </a:r>
+          </a:p>
+          <a:p>
+            <a:pPr lvl="1"/>
+            <a:r>
+              <a:rPr lang="en-US" dirty="0"/>
+              <a:t>An algorithm (or two). </a:t>
+            </a:r>
+          </a:p>
+          <a:p>
+            <a:pPr lvl="1"/>
+            <a:r>
+              <a:rPr lang="en-US" dirty="0"/>
+              <a:t>A type of data. </a:t>
+            </a:r>
+          </a:p>
+          <a:p>
+            <a:pPr lvl="1"/>
+            <a:r>
+              <a:rPr lang="en-US" dirty="0"/>
+              <a:t>Some tools/library/processes. </a:t>
+            </a:r>
+          </a:p>
+          <a:p>
+            <a:r>
+              <a:rPr lang="en-US" dirty="0"/>
+              <a:t>Goals by the end of the course:</a:t>
+            </a:r>
+          </a:p>
+          <a:p>
+            <a:pPr lvl="1"/>
+            <a:r>
+              <a:rPr lang="en-US" dirty="0"/>
+              <a:t>For simple/repeated problems, you can solve them by building models. </a:t>
+            </a:r>
+          </a:p>
+          <a:p>
+            <a:pPr lvl="1"/>
+            <a:r>
+              <a:rPr lang="en-US" dirty="0"/>
+              <a:t>For more complex/novel problems, you have an idea what to start investigating. </a:t>
             </a:r>
           </a:p>
         </p:txBody>
@@ -4079,7 +6408,7 @@
     </p:spTree>
     <p:extLst>
       <p:ext uri="{BB962C8B-B14F-4D97-AF65-F5344CB8AC3E}">
-        <p14:creationId xmlns:p14="http://schemas.microsoft.com/office/powerpoint/2010/main" val="3516265626"/>
+        <p14:creationId xmlns:p14="http://schemas.microsoft.com/office/powerpoint/2010/main" val="479975151"/>
       </p:ext>
     </p:extLst>
   </p:cSld>
@@ -4111,7 +6440,7 @@
           <p:cNvPr id="2" name="Title 1">
             <a:extLst>
               <a:ext uri="{FF2B5EF4-FFF2-40B4-BE49-F238E27FC236}">
-                <a16:creationId xmlns:a16="http://schemas.microsoft.com/office/drawing/2014/main" id="{2E17BE8E-BD94-0147-BB8D-B73222C7543E}"/>
+                <a16:creationId xmlns:a16="http://schemas.microsoft.com/office/drawing/2014/main" id="{D295C9E9-5B2E-694C-86B2-AEB3A92B1506}"/>
               </a:ext>
             </a:extLst>
           </p:cNvPr>
@@ -4129,7 +6458,7 @@
           <a:p>
             <a:r>
               <a:rPr lang="en-US" dirty="0"/>
-              <a:t>Quizzes</a:t>
+              <a:t>Grading</a:t>
             </a:r>
           </a:p>
         </p:txBody>
@@ -4139,7 +6468,7 @@
           <p:cNvPr id="3" name="Content Placeholder 2">
             <a:extLst>
               <a:ext uri="{FF2B5EF4-FFF2-40B4-BE49-F238E27FC236}">
-                <a16:creationId xmlns:a16="http://schemas.microsoft.com/office/drawing/2014/main" id="{51CF3CA0-E783-6A43-ADD3-B3D8AD26C4C3}"/>
+                <a16:creationId xmlns:a16="http://schemas.microsoft.com/office/drawing/2014/main" id="{2BEFD56D-9C8D-464C-B009-D0C0D583F20E}"/>
               </a:ext>
             </a:extLst>
           </p:cNvPr>
@@ -4157,40 +6486,19 @@
           <a:p>
             <a:r>
               <a:rPr lang="en-US" dirty="0"/>
-              <a:t>The quizzes will be relatively minor, not full midterms. </a:t>
-            </a:r>
-          </a:p>
-          <a:p>
-            <a:r>
-              <a:rPr lang="en-US" dirty="0"/>
-              <a:t>Quiz 1:</a:t>
-            </a:r>
-          </a:p>
-          <a:p>
-            <a:pPr lvl="1"/>
-            <a:r>
-              <a:rPr lang="en-US" dirty="0"/>
-              <a:t>Machine learning concepts.</a:t>
-            </a:r>
-          </a:p>
-          <a:p>
-            <a:r>
-              <a:rPr lang="en-US" dirty="0"/>
-              <a:t>Quiz 2: </a:t>
-            </a:r>
-          </a:p>
-          <a:p>
-            <a:pPr lvl="1"/>
-            <a:r>
-              <a:rPr lang="en-US" dirty="0"/>
-              <a:t>Neural network/deep learning concepts. </a:t>
-            </a:r>
-          </a:p>
-          <a:p>
-            <a:pPr lvl="1"/>
-            <a:r>
-              <a:rPr lang="en-US" dirty="0"/>
-              <a:t>Business societal impacts. </a:t>
+              <a:t>Quizzes: 15%</a:t>
+            </a:r>
+          </a:p>
+          <a:p>
+            <a:r>
+              <a:rPr lang="en-US" dirty="0"/>
+              <a:t>Assignments: 50%</a:t>
+            </a:r>
+          </a:p>
+          <a:p>
+            <a:r>
+              <a:rPr lang="en-US" dirty="0"/>
+              <a:t>Projects: 35%</a:t>
             </a:r>
           </a:p>
         </p:txBody>
@@ -4198,7 +6506,7 @@
     </p:spTree>
     <p:extLst>
       <p:ext uri="{BB962C8B-B14F-4D97-AF65-F5344CB8AC3E}">
-        <p14:creationId xmlns:p14="http://schemas.microsoft.com/office/powerpoint/2010/main" val="3406387367"/>
+        <p14:creationId xmlns:p14="http://schemas.microsoft.com/office/powerpoint/2010/main" val="3516265626"/>
       </p:ext>
     </p:extLst>
   </p:cSld>
@@ -4230,7 +6538,7 @@
           <p:cNvPr id="2" name="Title 1">
             <a:extLst>
               <a:ext uri="{FF2B5EF4-FFF2-40B4-BE49-F238E27FC236}">
-                <a16:creationId xmlns:a16="http://schemas.microsoft.com/office/drawing/2014/main" id="{A89DE3B6-2D88-C444-B1F0-A91165546C3A}"/>
+                <a16:creationId xmlns:a16="http://schemas.microsoft.com/office/drawing/2014/main" id="{2E17BE8E-BD94-0147-BB8D-B73222C7543E}"/>
               </a:ext>
             </a:extLst>
           </p:cNvPr>
@@ -4248,7 +6556,7 @@
           <a:p>
             <a:r>
               <a:rPr lang="en-US" dirty="0"/>
-              <a:t>Assignments</a:t>
+              <a:t>Quizzes</a:t>
             </a:r>
           </a:p>
         </p:txBody>
@@ -4258,7 +6566,7 @@
           <p:cNvPr id="3" name="Content Placeholder 2">
             <a:extLst>
               <a:ext uri="{FF2B5EF4-FFF2-40B4-BE49-F238E27FC236}">
-                <a16:creationId xmlns:a16="http://schemas.microsoft.com/office/drawing/2014/main" id="{6B632AC4-1A39-994B-BD95-E440C794828F}"/>
+                <a16:creationId xmlns:a16="http://schemas.microsoft.com/office/drawing/2014/main" id="{51CF3CA0-E783-6A43-ADD3-B3D8AD26C4C3}"/>
               </a:ext>
             </a:extLst>
           </p:cNvPr>
@@ -4269,48 +6577,66 @@
             <p:ph idx="1"/>
           </p:nvPr>
         </p:nvSpPr>
-        <p:spPr/>
-        <p:txBody>
-          <a:bodyPr/>
-          <a:lstStyle/>
-          <a:p>
-            <a:r>
-              <a:rPr lang="en-US" dirty="0"/>
-              <a:t>Assessed on:</a:t>
+        <p:spPr>
+          <a:xfrm>
+            <a:off x="1451579" y="2015732"/>
+            <a:ext cx="9603275" cy="4037749"/>
+          </a:xfrm>
+        </p:spPr>
+        <p:txBody>
+          <a:bodyPr/>
+          <a:lstStyle/>
+          <a:p>
+            <a:r>
+              <a:rPr lang="en-US" dirty="0"/>
+              <a:t>The quizzes will be relatively minor, not full midterms. </a:t>
             </a:r>
           </a:p>
           <a:p>
             <a:pPr lvl="1"/>
             <a:r>
               <a:rPr lang="en-US" dirty="0"/>
-              <a:t>Accuracy. </a:t>
+              <a:t>The focus is primarily on doing, so we’ll focus on making stuff. </a:t>
             </a:r>
           </a:p>
           <a:p>
             <a:pPr lvl="1"/>
             <a:r>
               <a:rPr lang="en-US" dirty="0"/>
-              <a:t>Coding. </a:t>
+              <a:t>Open book. </a:t>
+            </a:r>
+          </a:p>
+          <a:p>
+            <a:r>
+              <a:rPr lang="en-US" dirty="0"/>
+              <a:t>Quiz 1:</a:t>
             </a:r>
           </a:p>
           <a:p>
             <a:pPr lvl="1"/>
             <a:r>
               <a:rPr lang="en-US" dirty="0"/>
-              <a:t>Specific measures of the topics we’re covering. </a:t>
-            </a:r>
-          </a:p>
-          <a:p>
-            <a:r>
-              <a:rPr lang="en-US" dirty="0"/>
-              <a:t>Submitted in Moodle:</a:t>
+              <a:t>Machine learning concepts.</a:t>
+            </a:r>
+          </a:p>
+          <a:p>
+            <a:r>
+              <a:rPr lang="en-US" dirty="0"/>
+              <a:t>Quiz 2: </a:t>
             </a:r>
           </a:p>
           <a:p>
             <a:pPr lvl="1"/>
             <a:r>
               <a:rPr lang="en-US" dirty="0"/>
-              <a:t>Code in a tool of your choice – VS Code or otherwise. </a:t>
+              <a:t>Neural network/deep learning concepts. </a:t>
+            </a:r>
+          </a:p>
+          <a:p>
+            <a:pPr lvl="1"/>
+            <a:r>
+              <a:rPr lang="en-US" dirty="0"/>
+              <a:t>Business societal impacts (depending on timing)</a:t>
             </a:r>
           </a:p>
         </p:txBody>
@@ -4318,7 +6644,7 @@
     </p:spTree>
     <p:extLst>
       <p:ext uri="{BB962C8B-B14F-4D97-AF65-F5344CB8AC3E}">
-        <p14:creationId xmlns:p14="http://schemas.microsoft.com/office/powerpoint/2010/main" val="3134422841"/>
+        <p14:creationId xmlns:p14="http://schemas.microsoft.com/office/powerpoint/2010/main" val="3406387367"/>
       </p:ext>
     </p:extLst>
   </p:cSld>
@@ -4350,7 +6676,7 @@
           <p:cNvPr id="2" name="Title 1">
             <a:extLst>
               <a:ext uri="{FF2B5EF4-FFF2-40B4-BE49-F238E27FC236}">
-                <a16:creationId xmlns:a16="http://schemas.microsoft.com/office/drawing/2014/main" id="{FAADB6B2-2B6F-854C-9A49-B5C300D2D3E1}"/>
+                <a16:creationId xmlns:a16="http://schemas.microsoft.com/office/drawing/2014/main" id="{A89DE3B6-2D88-C444-B1F0-A91165546C3A}"/>
               </a:ext>
             </a:extLst>
           </p:cNvPr>
@@ -4368,7 +6694,7 @@
           <a:p>
             <a:r>
               <a:rPr lang="en-US" dirty="0"/>
-              <a:t>Projects</a:t>
+              <a:t>Assignments</a:t>
             </a:r>
           </a:p>
         </p:txBody>
@@ -4378,7 +6704,7 @@
           <p:cNvPr id="3" name="Content Placeholder 2">
             <a:extLst>
               <a:ext uri="{FF2B5EF4-FFF2-40B4-BE49-F238E27FC236}">
-                <a16:creationId xmlns:a16="http://schemas.microsoft.com/office/drawing/2014/main" id="{42D40296-F12A-6A4F-AF3B-F7032DF9D2BC}"/>
+                <a16:creationId xmlns:a16="http://schemas.microsoft.com/office/drawing/2014/main" id="{6B632AC4-1A39-994B-BD95-E440C794828F}"/>
               </a:ext>
             </a:extLst>
           </p:cNvPr>
@@ -4389,46 +6715,76 @@
             <p:ph idx="1"/>
           </p:nvPr>
         </p:nvSpPr>
-        <p:spPr/>
-        <p:txBody>
-          <a:bodyPr/>
-          <a:lstStyle/>
-          <a:p>
-            <a:r>
-              <a:rPr lang="en-US" dirty="0"/>
-              <a:t>Groups of 2 -  3. </a:t>
-            </a:r>
-          </a:p>
-          <a:p>
-            <a:r>
-              <a:rPr lang="en-US" dirty="0"/>
-              <a:t>Larger and more complex. </a:t>
-            </a:r>
-          </a:p>
-          <a:p>
-            <a:r>
-              <a:rPr lang="en-US" dirty="0"/>
-              <a:t>Assessed mainly on accuracy. </a:t>
-            </a:r>
-          </a:p>
-          <a:p>
-            <a:r>
-              <a:rPr lang="en-US" dirty="0"/>
-              <a:t>Using Kaggle:</a:t>
+        <p:spPr>
+          <a:xfrm>
+            <a:off x="1451579" y="2015732"/>
+            <a:ext cx="9603275" cy="4037749"/>
+          </a:xfrm>
+        </p:spPr>
+        <p:txBody>
+          <a:bodyPr>
+            <a:normAutofit/>
+          </a:bodyPr>
+          <a:lstStyle/>
+          <a:p>
+            <a:r>
+              <a:rPr lang="en-US" dirty="0"/>
+              <a:t>Assessed on:</a:t>
             </a:r>
           </a:p>
           <a:p>
             <a:pPr lvl="1"/>
             <a:r>
               <a:rPr lang="en-US" dirty="0"/>
-              <a:t>Has GPU processing for neural networks. </a:t>
+              <a:t>Accuracy. </a:t>
             </a:r>
           </a:p>
           <a:p>
             <a:pPr lvl="1"/>
             <a:r>
               <a:rPr lang="en-US" dirty="0"/>
-              <a:t>Built in accuracy measuring. </a:t>
+              <a:t>Coding. </a:t>
+            </a:r>
+          </a:p>
+          <a:p>
+            <a:pPr lvl="1"/>
+            <a:r>
+              <a:rPr lang="en-US" dirty="0"/>
+              <a:t>Specific measures of the topics we’re covering. </a:t>
+            </a:r>
+          </a:p>
+          <a:p>
+            <a:r>
+              <a:rPr lang="en-US" dirty="0"/>
+              <a:t>Assignment topics:</a:t>
+            </a:r>
+          </a:p>
+          <a:p>
+            <a:pPr lvl="1"/>
+            <a:r>
+              <a:rPr lang="en-US" dirty="0"/>
+              <a:t>Simple classification and pipelines.</a:t>
+            </a:r>
+          </a:p>
+          <a:p>
+            <a:pPr lvl="1"/>
+            <a:r>
+              <a:rPr lang="en-US" dirty="0"/>
+              <a:t>Regression and data cleaning.</a:t>
+            </a:r>
+          </a:p>
+          <a:p>
+            <a:pPr lvl="1"/>
+            <a:r>
+              <a:rPr lang="en-US" dirty="0"/>
+              <a:t>Unsupervised learning and generative models. </a:t>
+            </a:r>
+          </a:p>
+          <a:p>
+            <a:pPr lvl="1"/>
+            <a:r>
+              <a:rPr lang="en-US" dirty="0"/>
+              <a:t>Basic neural networks. </a:t>
             </a:r>
           </a:p>
         </p:txBody>
@@ -4436,7 +6792,7 @@
     </p:spTree>
     <p:extLst>
       <p:ext uri="{BB962C8B-B14F-4D97-AF65-F5344CB8AC3E}">
-        <p14:creationId xmlns:p14="http://schemas.microsoft.com/office/powerpoint/2010/main" val="3983994600"/>
+        <p14:creationId xmlns:p14="http://schemas.microsoft.com/office/powerpoint/2010/main" val="3134422841"/>
       </p:ext>
     </p:extLst>
   </p:cSld>
@@ -4468,7 +6824,7 @@
           <p:cNvPr id="2" name="Title 1">
             <a:extLst>
               <a:ext uri="{FF2B5EF4-FFF2-40B4-BE49-F238E27FC236}">
-                <a16:creationId xmlns:a16="http://schemas.microsoft.com/office/drawing/2014/main" id="{4B66AFDD-E112-EC46-9CD9-5AE785C8BA0A}"/>
+                <a16:creationId xmlns:a16="http://schemas.microsoft.com/office/drawing/2014/main" id="{FAADB6B2-2B6F-854C-9A49-B5C300D2D3E1}"/>
               </a:ext>
             </a:extLst>
           </p:cNvPr>
@@ -4486,7 +6842,7 @@
           <a:p>
             <a:r>
               <a:rPr lang="en-US" dirty="0"/>
-              <a:t>Tips and Rules</a:t>
+              <a:t>Projects</a:t>
             </a:r>
           </a:p>
         </p:txBody>
@@ -4496,7 +6852,7 @@
           <p:cNvPr id="3" name="Content Placeholder 2">
             <a:extLst>
               <a:ext uri="{FF2B5EF4-FFF2-40B4-BE49-F238E27FC236}">
-                <a16:creationId xmlns:a16="http://schemas.microsoft.com/office/drawing/2014/main" id="{3507EC98-5C06-4346-A016-161FD165C8D5}"/>
+                <a16:creationId xmlns:a16="http://schemas.microsoft.com/office/drawing/2014/main" id="{42D40296-F12A-6A4F-AF3B-F7032DF9D2BC}"/>
               </a:ext>
             </a:extLst>
           </p:cNvPr>
@@ -4507,70 +6863,131 @@
             <p:ph idx="1"/>
           </p:nvPr>
         </p:nvSpPr>
-        <p:spPr>
-          <a:xfrm>
-            <a:off x="1451579" y="2015732"/>
-            <a:ext cx="9603275" cy="4037749"/>
-          </a:xfrm>
-        </p:spPr>
-        <p:txBody>
-          <a:bodyPr/>
-          <a:lstStyle/>
-          <a:p>
-            <a:r>
-              <a:rPr lang="en-US" dirty="0"/>
-              <a:t>Very “learn-by-doing” topic – trying things is far more important than listening/reading.</a:t>
-            </a:r>
-          </a:p>
-          <a:p>
-            <a:r>
-              <a:rPr lang="en-US" dirty="0"/>
-              <a:t>Due dates – extensions generally aren’t fair, if something’s unfair, I’ll change for everyone. </a:t>
-            </a:r>
-          </a:p>
-          <a:p>
-            <a:r>
-              <a:rPr lang="en-US" dirty="0"/>
-              <a:t>Bring relevant examples, if they occur:</a:t>
+        <p:spPr/>
+        <p:txBody>
+          <a:bodyPr/>
+          <a:lstStyle/>
+          <a:p>
+            <a:r>
+              <a:rPr lang="en-US" dirty="0"/>
+              <a:t>Groups of 2 -  3. </a:t>
+            </a:r>
+          </a:p>
+          <a:p>
+            <a:r>
+              <a:rPr lang="en-US" dirty="0"/>
+              <a:t>Larger and more complex. </a:t>
+            </a:r>
+          </a:p>
+          <a:p>
+            <a:r>
+              <a:rPr lang="en-US" dirty="0"/>
+              <a:t>Topics:</a:t>
             </a:r>
           </a:p>
           <a:p>
             <a:pPr lvl="1"/>
             <a:r>
               <a:rPr lang="en-US" dirty="0"/>
-              <a:t>E.g. if the project class requires you do some specific thing, let me know so I can make examples that are relevant to that. We’ll do geographic stuff because of this later. </a:t>
-            </a:r>
-          </a:p>
-          <a:p>
-            <a:r>
-              <a:rPr lang="en-US" dirty="0"/>
-              <a:t>Experiment – try to change things and see what happens!</a:t>
-            </a:r>
-          </a:p>
-          <a:p>
-            <a:r>
-              <a:rPr lang="en-US" dirty="0"/>
-              <a:t>Read, don’t memorize. </a:t>
+              <a:t>Natural language processing and text classification. </a:t>
             </a:r>
           </a:p>
           <a:p>
             <a:pPr lvl="1"/>
             <a:r>
               <a:rPr lang="en-US" dirty="0"/>
-              <a:t>If you get used to reading documentation, and applying that, you’ll be able to </a:t>
-            </a:r>
-            <a:r>
-              <a:rPr lang="en-US"/>
-              <a:t>code anything. </a:t>
-            </a:r>
-            <a:endParaRPr lang="en-US" dirty="0"/>
+              <a:t>Image recognition with neural networks. </a:t>
+            </a:r>
           </a:p>
         </p:txBody>
       </p:sp>
     </p:spTree>
     <p:extLst>
       <p:ext uri="{BB962C8B-B14F-4D97-AF65-F5344CB8AC3E}">
-        <p14:creationId xmlns:p14="http://schemas.microsoft.com/office/powerpoint/2010/main" val="3319469936"/>
+        <p14:creationId xmlns:p14="http://schemas.microsoft.com/office/powerpoint/2010/main" val="3983994600"/>
+      </p:ext>
+    </p:extLst>
+  </p:cSld>
+  <p:clrMapOvr>
+    <a:masterClrMapping/>
+  </p:clrMapOvr>
+</p:sld>
+</file>
+
+<file path=ppt/slides/slide9.xml><?xml version="1.0" encoding="utf-8"?>
+<p:sld xmlns:a="http://schemas.openxmlformats.org/drawingml/2006/main" xmlns:r="http://schemas.openxmlformats.org/officeDocument/2006/relationships" xmlns:p="http://schemas.openxmlformats.org/presentationml/2006/main" show="0">
+  <p:cSld>
+    <p:spTree>
+      <p:nvGrpSpPr>
+        <p:cNvPr id="1" name=""/>
+        <p:cNvGrpSpPr/>
+        <p:nvPr/>
+      </p:nvGrpSpPr>
+      <p:grpSpPr>
+        <a:xfrm>
+          <a:off x="0" y="0"/>
+          <a:ext cx="0" cy="0"/>
+          <a:chOff x="0" y="0"/>
+          <a:chExt cx="0" cy="0"/>
+        </a:xfrm>
+      </p:grpSpPr>
+      <p:sp>
+        <p:nvSpPr>
+          <p:cNvPr id="2" name="Title 1">
+            <a:extLst>
+              <a:ext uri="{FF2B5EF4-FFF2-40B4-BE49-F238E27FC236}">
+                <a16:creationId xmlns:a16="http://schemas.microsoft.com/office/drawing/2014/main" id="{0C05E352-685C-2413-AE92-4799D7A7C126}"/>
+              </a:ext>
+            </a:extLst>
+          </p:cNvPr>
+          <p:cNvSpPr>
+            <a:spLocks noGrp="1"/>
+          </p:cNvSpPr>
+          <p:nvPr>
+            <p:ph type="title"/>
+          </p:nvPr>
+        </p:nvSpPr>
+        <p:spPr/>
+        <p:txBody>
+          <a:bodyPr/>
+          <a:lstStyle/>
+          <a:p>
+            <a:r>
+              <a:rPr lang="en-US" dirty="0"/>
+              <a:t>Progression</a:t>
+            </a:r>
+          </a:p>
+        </p:txBody>
+      </p:sp>
+      <p:sp>
+        <p:nvSpPr>
+          <p:cNvPr id="3" name="Content Placeholder 2">
+            <a:extLst>
+              <a:ext uri="{FF2B5EF4-FFF2-40B4-BE49-F238E27FC236}">
+                <a16:creationId xmlns:a16="http://schemas.microsoft.com/office/drawing/2014/main" id="{7793E940-29F7-6FD8-E116-0B387CD14ADB}"/>
+              </a:ext>
+            </a:extLst>
+          </p:cNvPr>
+          <p:cNvSpPr>
+            <a:spLocks noGrp="1"/>
+          </p:cNvSpPr>
+          <p:nvPr>
+            <p:ph idx="1"/>
+          </p:nvPr>
+        </p:nvSpPr>
+        <p:spPr/>
+        <p:txBody>
+          <a:bodyPr/>
+          <a:lstStyle/>
+          <a:p>
+            <a:endParaRPr lang="en-US"/>
+          </a:p>
+        </p:txBody>
+      </p:sp>
+    </p:spTree>
+    <p:extLst>
+      <p:ext uri="{BB962C8B-B14F-4D97-AF65-F5344CB8AC3E}">
+        <p14:creationId xmlns:p14="http://schemas.microsoft.com/office/powerpoint/2010/main" val="1702621459"/>
       </p:ext>
     </p:extLst>
   </p:cSld>
